--- a/steen_mod4_pres.pptx
+++ b/steen_mod4_pres.pptx
@@ -12,9 +12,11 @@
     <p:sldId id="261" r:id="rId6"/>
     <p:sldId id="262" r:id="rId7"/>
     <p:sldId id="260" r:id="rId8"/>
-    <p:sldId id="263" r:id="rId9"/>
-    <p:sldId id="264" r:id="rId10"/>
-    <p:sldId id="265" r:id="rId11"/>
+    <p:sldId id="266" r:id="rId9"/>
+    <p:sldId id="263" r:id="rId10"/>
+    <p:sldId id="267" r:id="rId11"/>
+    <p:sldId id="264" r:id="rId12"/>
+    <p:sldId id="265" r:id="rId13"/>
   </p:sldIdLst>
   <p:sldSz cx="12192000" cy="6858000"/>
   <p:notesSz cx="6858000" cy="9144000"/>
@@ -843,7 +845,7 @@
           <a:p>
             <a:fld id="{02AC24A9-CCB6-4F8D-B8DB-C2F3692CFA5A}" type="datetimeFigureOut">
               <a:rPr lang="en-US" smtClean="0"/>
-              <a:t>1/18/2020</a:t>
+              <a:t>1/22/2020</a:t>
             </a:fld>
             <a:endParaRPr lang="en-US" dirty="0"/>
           </a:p>
@@ -1094,7 +1096,7 @@
           <a:p>
             <a:fld id="{02AC24A9-CCB6-4F8D-B8DB-C2F3692CFA5A}" type="datetimeFigureOut">
               <a:rPr lang="en-US" smtClean="0"/>
-              <a:t>1/18/2020</a:t>
+              <a:t>1/22/2020</a:t>
             </a:fld>
             <a:endParaRPr lang="en-US" dirty="0"/>
           </a:p>
@@ -1408,7 +1410,7 @@
           <a:p>
             <a:fld id="{02AC24A9-CCB6-4F8D-B8DB-C2F3692CFA5A}" type="datetimeFigureOut">
               <a:rPr lang="en-US" smtClean="0"/>
-              <a:t>1/18/2020</a:t>
+              <a:t>1/22/2020</a:t>
             </a:fld>
             <a:endParaRPr lang="en-US" dirty="0"/>
           </a:p>
@@ -1749,7 +1751,7 @@
           <a:p>
             <a:fld id="{02AC24A9-CCB6-4F8D-B8DB-C2F3692CFA5A}" type="datetimeFigureOut">
               <a:rPr lang="en-US" smtClean="0"/>
-              <a:t>1/18/2020</a:t>
+              <a:t>1/22/2020</a:t>
             </a:fld>
             <a:endParaRPr lang="en-US" dirty="0"/>
           </a:p>
@@ -2063,7 +2065,7 @@
           <a:p>
             <a:fld id="{02AC24A9-CCB6-4F8D-B8DB-C2F3692CFA5A}" type="datetimeFigureOut">
               <a:rPr lang="en-US" smtClean="0"/>
-              <a:t>1/18/2020</a:t>
+              <a:t>1/22/2020</a:t>
             </a:fld>
             <a:endParaRPr lang="en-US" dirty="0"/>
           </a:p>
@@ -2456,7 +2458,7 @@
           <a:p>
             <a:fld id="{02AC24A9-CCB6-4F8D-B8DB-C2F3692CFA5A}" type="datetimeFigureOut">
               <a:rPr lang="en-US" smtClean="0"/>
-              <a:t>1/18/2020</a:t>
+              <a:t>1/22/2020</a:t>
             </a:fld>
             <a:endParaRPr lang="en-US" dirty="0"/>
           </a:p>
@@ -2626,7 +2628,7 @@
           <a:p>
             <a:fld id="{02AC24A9-CCB6-4F8D-B8DB-C2F3692CFA5A}" type="datetimeFigureOut">
               <a:rPr lang="en-US" smtClean="0"/>
-              <a:t>1/18/2020</a:t>
+              <a:t>1/22/2020</a:t>
             </a:fld>
             <a:endParaRPr lang="en-US" dirty="0"/>
           </a:p>
@@ -2806,7 +2808,7 @@
           <a:p>
             <a:fld id="{02AC24A9-CCB6-4F8D-B8DB-C2F3692CFA5A}" type="datetimeFigureOut">
               <a:rPr lang="en-US" smtClean="0"/>
-              <a:t>1/18/2020</a:t>
+              <a:t>1/22/2020</a:t>
             </a:fld>
             <a:endParaRPr lang="en-US" dirty="0"/>
           </a:p>
@@ -2982,7 +2984,7 @@
           <a:p>
             <a:fld id="{02AC24A9-CCB6-4F8D-B8DB-C2F3692CFA5A}" type="datetimeFigureOut">
               <a:rPr lang="en-US" smtClean="0"/>
-              <a:t>1/18/2020</a:t>
+              <a:t>1/22/2020</a:t>
             </a:fld>
             <a:endParaRPr lang="en-US" dirty="0"/>
           </a:p>
@@ -3229,7 +3231,7 @@
           <a:p>
             <a:fld id="{02AC24A9-CCB6-4F8D-B8DB-C2F3692CFA5A}" type="datetimeFigureOut">
               <a:rPr lang="en-US" smtClean="0"/>
-              <a:t>1/18/2020</a:t>
+              <a:t>1/22/2020</a:t>
             </a:fld>
             <a:endParaRPr lang="en-US" dirty="0"/>
           </a:p>
@@ -3461,7 +3463,7 @@
           <a:p>
             <a:fld id="{02AC24A9-CCB6-4F8D-B8DB-C2F3692CFA5A}" type="datetimeFigureOut">
               <a:rPr lang="en-US" smtClean="0"/>
-              <a:t>1/18/2020</a:t>
+              <a:t>1/22/2020</a:t>
             </a:fld>
             <a:endParaRPr lang="en-US" dirty="0"/>
           </a:p>
@@ -3835,7 +3837,7 @@
           <a:p>
             <a:fld id="{02AC24A9-CCB6-4F8D-B8DB-C2F3692CFA5A}" type="datetimeFigureOut">
               <a:rPr lang="en-US" smtClean="0"/>
-              <a:t>1/18/2020</a:t>
+              <a:t>1/22/2020</a:t>
             </a:fld>
             <a:endParaRPr lang="en-US" dirty="0"/>
           </a:p>
@@ -3958,7 +3960,7 @@
           <a:p>
             <a:fld id="{02AC24A9-CCB6-4F8D-B8DB-C2F3692CFA5A}" type="datetimeFigureOut">
               <a:rPr lang="en-US" smtClean="0"/>
-              <a:t>1/18/2020</a:t>
+              <a:t>1/22/2020</a:t>
             </a:fld>
             <a:endParaRPr lang="en-US" dirty="0"/>
           </a:p>
@@ -4053,7 +4055,7 @@
           <a:p>
             <a:fld id="{02AC24A9-CCB6-4F8D-B8DB-C2F3692CFA5A}" type="datetimeFigureOut">
               <a:rPr lang="en-US" smtClean="0"/>
-              <a:t>1/18/2020</a:t>
+              <a:t>1/22/2020</a:t>
             </a:fld>
             <a:endParaRPr lang="en-US" dirty="0"/>
           </a:p>
@@ -4308,7 +4310,7 @@
           <a:p>
             <a:fld id="{02AC24A9-CCB6-4F8D-B8DB-C2F3692CFA5A}" type="datetimeFigureOut">
               <a:rPr lang="en-US" smtClean="0"/>
-              <a:t>1/18/2020</a:t>
+              <a:t>1/22/2020</a:t>
             </a:fld>
             <a:endParaRPr lang="en-US" dirty="0"/>
           </a:p>
@@ -4570,7 +4572,7 @@
           <a:p>
             <a:fld id="{02AC24A9-CCB6-4F8D-B8DB-C2F3692CFA5A}" type="datetimeFigureOut">
               <a:rPr lang="en-US" smtClean="0"/>
-              <a:t>1/18/2020</a:t>
+              <a:t>1/22/2020</a:t>
             </a:fld>
             <a:endParaRPr lang="en-US" dirty="0"/>
           </a:p>
@@ -5313,7 +5315,7 @@
           <a:p>
             <a:fld id="{02AC24A9-CCB6-4F8D-B8DB-C2F3692CFA5A}" type="datetimeFigureOut">
               <a:rPr lang="en-US" smtClean="0"/>
-              <a:t>1/18/2020</a:t>
+              <a:t>1/22/2020</a:t>
             </a:fld>
             <a:endParaRPr lang="en-US" dirty="0"/>
           </a:p>
@@ -6742,6 +6744,1447 @@
 <file path=ppt/slides/slide10.xml><?xml version="1.0" encoding="utf-8"?>
 <p:sld xmlns:a="http://schemas.openxmlformats.org/drawingml/2006/main" xmlns:r="http://schemas.openxmlformats.org/officeDocument/2006/relationships" xmlns:p="http://schemas.openxmlformats.org/presentationml/2006/main">
   <p:cSld>
+    <p:spTree>
+      <p:nvGrpSpPr>
+        <p:cNvPr id="1" name=""/>
+        <p:cNvGrpSpPr/>
+        <p:nvPr/>
+      </p:nvGrpSpPr>
+      <p:grpSpPr>
+        <a:xfrm>
+          <a:off x="0" y="0"/>
+          <a:ext cx="0" cy="0"/>
+          <a:chOff x="0" y="0"/>
+          <a:chExt cx="0" cy="0"/>
+        </a:xfrm>
+      </p:grpSpPr>
+      <p:sp>
+        <p:nvSpPr>
+          <p:cNvPr id="2" name="Title 1">
+            <a:extLst>
+              <a:ext uri="{FF2B5EF4-FFF2-40B4-BE49-F238E27FC236}">
+                <a16:creationId xmlns:a16="http://schemas.microsoft.com/office/drawing/2014/main" id="{D5AB1322-3428-4EA2-8581-91B3BF2F8BF9}"/>
+              </a:ext>
+            </a:extLst>
+          </p:cNvPr>
+          <p:cNvSpPr>
+            <a:spLocks noGrp="1"/>
+          </p:cNvSpPr>
+          <p:nvPr>
+            <p:ph type="title"/>
+          </p:nvPr>
+        </p:nvSpPr>
+        <p:spPr>
+          <a:xfrm>
+            <a:off x="632944" y="103573"/>
+            <a:ext cx="8596668" cy="1320800"/>
+          </a:xfrm>
+        </p:spPr>
+        <p:txBody>
+          <a:bodyPr/>
+          <a:lstStyle/>
+          <a:p>
+            <a:r>
+              <a:rPr lang="en-US" dirty="0"/>
+              <a:t>Recommendations by Category</a:t>
+            </a:r>
+          </a:p>
+        </p:txBody>
+      </p:sp>
+      <p:grpSp>
+        <p:nvGrpSpPr>
+          <p:cNvPr id="10" name="Group 9">
+            <a:extLst>
+              <a:ext uri="{FF2B5EF4-FFF2-40B4-BE49-F238E27FC236}">
+                <a16:creationId xmlns:a16="http://schemas.microsoft.com/office/drawing/2014/main" id="{DE0D4209-F247-4CE6-8FC0-A8669C876A04}"/>
+              </a:ext>
+            </a:extLst>
+          </p:cNvPr>
+          <p:cNvGrpSpPr/>
+          <p:nvPr/>
+        </p:nvGrpSpPr>
+        <p:grpSpPr>
+          <a:xfrm>
+            <a:off x="5969967" y="800689"/>
+            <a:ext cx="2996482" cy="2835774"/>
+            <a:chOff x="736846" y="977341"/>
+            <a:chExt cx="2996482" cy="2835774"/>
+          </a:xfrm>
+        </p:grpSpPr>
+        <p:graphicFrame>
+          <p:nvGraphicFramePr>
+            <p:cNvPr id="4" name="Table 4">
+              <a:extLst>
+                <a:ext uri="{FF2B5EF4-FFF2-40B4-BE49-F238E27FC236}">
+                  <a16:creationId xmlns:a16="http://schemas.microsoft.com/office/drawing/2014/main" id="{7AE72E31-4E54-4CD5-BC41-E83F53F2A0BE}"/>
+                </a:ext>
+              </a:extLst>
+            </p:cNvPr>
+            <p:cNvGraphicFramePr>
+              <a:graphicFrameLocks/>
+            </p:cNvGraphicFramePr>
+            <p:nvPr>
+              <p:extLst>
+                <p:ext uri="{D42A27DB-BD31-4B8C-83A1-F6EECF244321}">
+                  <p14:modId xmlns:p14="http://schemas.microsoft.com/office/powerpoint/2010/main" val="2172549321"/>
+                </p:ext>
+              </p:extLst>
+            </p:nvPr>
+          </p:nvGraphicFramePr>
+          <p:xfrm>
+            <a:off x="736847" y="1318835"/>
+            <a:ext cx="2996481" cy="2494280"/>
+          </p:xfrm>
+          <a:graphic>
+            <a:graphicData uri="http://schemas.openxmlformats.org/drawingml/2006/table">
+              <a:tbl>
+                <a:tblPr firstRow="1" bandRow="1">
+                  <a:tableStyleId>{5C22544A-7EE6-4342-B048-85BDC9FD1C3A}</a:tableStyleId>
+                </a:tblPr>
+                <a:tblGrid>
+                  <a:gridCol w="798990">
+                    <a:extLst>
+                      <a:ext uri="{9D8B030D-6E8A-4147-A177-3AD203B41FA5}">
+                        <a16:colId xmlns:a16="http://schemas.microsoft.com/office/drawing/2014/main" val="61832935"/>
+                      </a:ext>
+                    </a:extLst>
+                  </a:gridCol>
+                  <a:gridCol w="750431">
+                    <a:extLst>
+                      <a:ext uri="{9D8B030D-6E8A-4147-A177-3AD203B41FA5}">
+                        <a16:colId xmlns:a16="http://schemas.microsoft.com/office/drawing/2014/main" val="293567324"/>
+                      </a:ext>
+                    </a:extLst>
+                  </a:gridCol>
+                  <a:gridCol w="1447060">
+                    <a:extLst>
+                      <a:ext uri="{9D8B030D-6E8A-4147-A177-3AD203B41FA5}">
+                        <a16:colId xmlns:a16="http://schemas.microsoft.com/office/drawing/2014/main" val="944387565"/>
+                      </a:ext>
+                    </a:extLst>
+                  </a:gridCol>
+                </a:tblGrid>
+                <a:tr h="370840">
+                  <a:tc>
+                    <a:txBody>
+                      <a:bodyPr/>
+                      <a:lstStyle/>
+                      <a:p>
+                        <a:r>
+                          <a:rPr lang="en-US" dirty="0"/>
+                          <a:t>Zip Code</a:t>
+                        </a:r>
+                      </a:p>
+                    </a:txBody>
+                    <a:tcPr/>
+                  </a:tc>
+                  <a:tc>
+                    <a:txBody>
+                      <a:bodyPr/>
+                      <a:lstStyle/>
+                      <a:p>
+                        <a:r>
+                          <a:rPr lang="en-US" dirty="0"/>
+                          <a:t>Rank</a:t>
+                        </a:r>
+                      </a:p>
+                    </a:txBody>
+                    <a:tcPr/>
+                  </a:tc>
+                  <a:tc>
+                    <a:txBody>
+                      <a:bodyPr/>
+                      <a:lstStyle/>
+                      <a:p>
+                        <a:r>
+                          <a:rPr lang="en-US" dirty="0"/>
+                          <a:t>Forecasted ROI (%)</a:t>
+                        </a:r>
+                      </a:p>
+                    </a:txBody>
+                    <a:tcPr/>
+                  </a:tc>
+                  <a:extLst>
+                    <a:ext uri="{0D108BD9-81ED-4DB2-BD59-A6C34878D82A}">
+                      <a16:rowId xmlns:a16="http://schemas.microsoft.com/office/drawing/2014/main" val="1481981044"/>
+                    </a:ext>
+                  </a:extLst>
+                </a:tr>
+                <a:tr h="370840">
+                  <a:tc>
+                    <a:txBody>
+                      <a:bodyPr/>
+                      <a:lstStyle/>
+                      <a:p>
+                        <a:pPr algn="r"/>
+                        <a:r>
+                          <a:rPr lang="en-US" dirty="0"/>
+                          <a:t>76114</a:t>
+                        </a:r>
+                      </a:p>
+                    </a:txBody>
+                    <a:tcPr/>
+                  </a:tc>
+                  <a:tc>
+                    <a:txBody>
+                      <a:bodyPr/>
+                      <a:lstStyle/>
+                      <a:p>
+                        <a:pPr algn="r"/>
+                        <a:r>
+                          <a:rPr lang="en-US" dirty="0"/>
+                          <a:t>1</a:t>
+                        </a:r>
+                      </a:p>
+                    </a:txBody>
+                    <a:tcPr/>
+                  </a:tc>
+                  <a:tc>
+                    <a:txBody>
+                      <a:bodyPr/>
+                      <a:lstStyle/>
+                      <a:p>
+                        <a:pPr algn="r"/>
+                        <a:r>
+                          <a:rPr lang="en-US" dirty="0"/>
+                          <a:t>73.9</a:t>
+                        </a:r>
+                      </a:p>
+                    </a:txBody>
+                    <a:tcPr/>
+                  </a:tc>
+                  <a:extLst>
+                    <a:ext uri="{0D108BD9-81ED-4DB2-BD59-A6C34878D82A}">
+                      <a16:rowId xmlns:a16="http://schemas.microsoft.com/office/drawing/2014/main" val="4224581583"/>
+                    </a:ext>
+                  </a:extLst>
+                </a:tr>
+                <a:tr h="370840">
+                  <a:tc>
+                    <a:txBody>
+                      <a:bodyPr/>
+                      <a:lstStyle/>
+                      <a:p>
+                        <a:pPr algn="r"/>
+                        <a:r>
+                          <a:rPr lang="en-US" sz="1800" b="0" i="0" kern="1200" dirty="0">
+                            <a:solidFill>
+                              <a:schemeClr val="dk1"/>
+                            </a:solidFill>
+                            <a:effectLst/>
+                            <a:latin typeface="+mn-lt"/>
+                            <a:ea typeface="+mn-ea"/>
+                            <a:cs typeface="+mn-cs"/>
+                          </a:rPr>
+                          <a:t>76148</a:t>
+                        </a:r>
+                        <a:endParaRPr lang="en-US" dirty="0"/>
+                      </a:p>
+                    </a:txBody>
+                    <a:tcPr/>
+                  </a:tc>
+                  <a:tc>
+                    <a:txBody>
+                      <a:bodyPr/>
+                      <a:lstStyle/>
+                      <a:p>
+                        <a:pPr algn="r"/>
+                        <a:r>
+                          <a:rPr lang="en-US" sz="1800" b="0" i="0" kern="1200" dirty="0">
+                            <a:solidFill>
+                              <a:schemeClr val="dk1"/>
+                            </a:solidFill>
+                            <a:effectLst/>
+                            <a:latin typeface="+mn-lt"/>
+                            <a:ea typeface="+mn-ea"/>
+                            <a:cs typeface="+mn-cs"/>
+                          </a:rPr>
+                          <a:t>2</a:t>
+                        </a:r>
+                        <a:endParaRPr lang="en-US" dirty="0"/>
+                      </a:p>
+                    </a:txBody>
+                    <a:tcPr/>
+                  </a:tc>
+                  <a:tc>
+                    <a:txBody>
+                      <a:bodyPr/>
+                      <a:lstStyle/>
+                      <a:p>
+                        <a:pPr algn="r"/>
+                        <a:r>
+                          <a:rPr lang="en-US" dirty="0"/>
+                          <a:t>50.7</a:t>
+                        </a:r>
+                      </a:p>
+                    </a:txBody>
+                    <a:tcPr/>
+                  </a:tc>
+                  <a:extLst>
+                    <a:ext uri="{0D108BD9-81ED-4DB2-BD59-A6C34878D82A}">
+                      <a16:rowId xmlns:a16="http://schemas.microsoft.com/office/drawing/2014/main" val="2456253464"/>
+                    </a:ext>
+                  </a:extLst>
+                </a:tr>
+                <a:tr h="370840">
+                  <a:tc>
+                    <a:txBody>
+                      <a:bodyPr/>
+                      <a:lstStyle/>
+                      <a:p>
+                        <a:pPr algn="r"/>
+                        <a:r>
+                          <a:rPr lang="en-US" dirty="0"/>
+                          <a:t>76111</a:t>
+                        </a:r>
+                      </a:p>
+                    </a:txBody>
+                    <a:tcPr/>
+                  </a:tc>
+                  <a:tc>
+                    <a:txBody>
+                      <a:bodyPr/>
+                      <a:lstStyle/>
+                      <a:p>
+                        <a:pPr algn="r"/>
+                        <a:r>
+                          <a:rPr lang="en-US" dirty="0"/>
+                          <a:t>3</a:t>
+                        </a:r>
+                      </a:p>
+                    </a:txBody>
+                    <a:tcPr/>
+                  </a:tc>
+                  <a:tc>
+                    <a:txBody>
+                      <a:bodyPr/>
+                      <a:lstStyle/>
+                      <a:p>
+                        <a:pPr algn="r"/>
+                        <a:r>
+                          <a:rPr lang="en-US" dirty="0"/>
+                          <a:t>48.4</a:t>
+                        </a:r>
+                      </a:p>
+                    </a:txBody>
+                    <a:tcPr/>
+                  </a:tc>
+                  <a:extLst>
+                    <a:ext uri="{0D108BD9-81ED-4DB2-BD59-A6C34878D82A}">
+                      <a16:rowId xmlns:a16="http://schemas.microsoft.com/office/drawing/2014/main" val="929214"/>
+                    </a:ext>
+                  </a:extLst>
+                </a:tr>
+                <a:tr h="370840">
+                  <a:tc>
+                    <a:txBody>
+                      <a:bodyPr/>
+                      <a:lstStyle/>
+                      <a:p>
+                        <a:pPr algn="r"/>
+                        <a:r>
+                          <a:rPr lang="en-US" dirty="0"/>
+                          <a:t>76164</a:t>
+                        </a:r>
+                      </a:p>
+                    </a:txBody>
+                    <a:tcPr/>
+                  </a:tc>
+                  <a:tc>
+                    <a:txBody>
+                      <a:bodyPr/>
+                      <a:lstStyle/>
+                      <a:p>
+                        <a:pPr algn="r"/>
+                        <a:r>
+                          <a:rPr lang="en-US" dirty="0"/>
+                          <a:t>4</a:t>
+                        </a:r>
+                      </a:p>
+                    </a:txBody>
+                    <a:tcPr/>
+                  </a:tc>
+                  <a:tc>
+                    <a:txBody>
+                      <a:bodyPr/>
+                      <a:lstStyle/>
+                      <a:p>
+                        <a:pPr algn="r"/>
+                        <a:r>
+                          <a:rPr lang="en-US" dirty="0"/>
+                          <a:t>43.7</a:t>
+                        </a:r>
+                      </a:p>
+                    </a:txBody>
+                    <a:tcPr/>
+                  </a:tc>
+                  <a:extLst>
+                    <a:ext uri="{0D108BD9-81ED-4DB2-BD59-A6C34878D82A}">
+                      <a16:rowId xmlns:a16="http://schemas.microsoft.com/office/drawing/2014/main" val="3251756527"/>
+                    </a:ext>
+                  </a:extLst>
+                </a:tr>
+                <a:tr h="370840">
+                  <a:tc>
+                    <a:txBody>
+                      <a:bodyPr/>
+                      <a:lstStyle/>
+                      <a:p>
+                        <a:pPr algn="r"/>
+                        <a:r>
+                          <a:rPr lang="en-US" dirty="0"/>
+                          <a:t>76103</a:t>
+                        </a:r>
+                      </a:p>
+                    </a:txBody>
+                    <a:tcPr/>
+                  </a:tc>
+                  <a:tc>
+                    <a:txBody>
+                      <a:bodyPr/>
+                      <a:lstStyle/>
+                      <a:p>
+                        <a:pPr algn="r"/>
+                        <a:r>
+                          <a:rPr lang="en-US" dirty="0"/>
+                          <a:t>5</a:t>
+                        </a:r>
+                      </a:p>
+                    </a:txBody>
+                    <a:tcPr/>
+                  </a:tc>
+                  <a:tc>
+                    <a:txBody>
+                      <a:bodyPr/>
+                      <a:lstStyle/>
+                      <a:p>
+                        <a:pPr algn="r"/>
+                        <a:r>
+                          <a:rPr lang="en-US" dirty="0"/>
+                          <a:t>42.3</a:t>
+                        </a:r>
+                      </a:p>
+                    </a:txBody>
+                    <a:tcPr/>
+                  </a:tc>
+                  <a:extLst>
+                    <a:ext uri="{0D108BD9-81ED-4DB2-BD59-A6C34878D82A}">
+                      <a16:rowId xmlns:a16="http://schemas.microsoft.com/office/drawing/2014/main" val="1538851721"/>
+                    </a:ext>
+                  </a:extLst>
+                </a:tr>
+              </a:tbl>
+            </a:graphicData>
+          </a:graphic>
+        </p:graphicFrame>
+        <p:sp>
+          <p:nvSpPr>
+            <p:cNvPr id="7" name="TextBox 6">
+              <a:extLst>
+                <a:ext uri="{FF2B5EF4-FFF2-40B4-BE49-F238E27FC236}">
+                  <a16:creationId xmlns:a16="http://schemas.microsoft.com/office/drawing/2014/main" id="{9FD1CDA1-E41D-4684-AE77-F84D8C00F904}"/>
+                </a:ext>
+              </a:extLst>
+            </p:cNvPr>
+            <p:cNvSpPr txBox="1"/>
+            <p:nvPr/>
+          </p:nvSpPr>
+          <p:spPr>
+            <a:xfrm>
+              <a:off x="736846" y="977341"/>
+              <a:ext cx="2996481" cy="369332"/>
+            </a:xfrm>
+            <a:prstGeom prst="rect">
+              <a:avLst/>
+            </a:prstGeom>
+            <a:noFill/>
+          </p:spPr>
+          <p:txBody>
+            <a:bodyPr wrap="square" rtlCol="0">
+              <a:spAutoFit/>
+            </a:bodyPr>
+            <a:lstStyle/>
+            <a:p>
+              <a:r>
+                <a:rPr lang="en-US" u="sng" dirty="0"/>
+                <a:t>3 Year Forecasted ROI Only</a:t>
+              </a:r>
+            </a:p>
+          </p:txBody>
+        </p:sp>
+      </p:grpSp>
+      <p:grpSp>
+        <p:nvGrpSpPr>
+          <p:cNvPr id="11" name="Group 10">
+            <a:extLst>
+              <a:ext uri="{FF2B5EF4-FFF2-40B4-BE49-F238E27FC236}">
+                <a16:creationId xmlns:a16="http://schemas.microsoft.com/office/drawing/2014/main" id="{A3B2F0F2-B5DC-48AF-A9A2-B05DC952270C}"/>
+              </a:ext>
+            </a:extLst>
+          </p:cNvPr>
+          <p:cNvGrpSpPr/>
+          <p:nvPr/>
+        </p:nvGrpSpPr>
+        <p:grpSpPr>
+          <a:xfrm>
+            <a:off x="1932373" y="3826900"/>
+            <a:ext cx="4823534" cy="2867652"/>
+            <a:chOff x="6027938" y="977341"/>
+            <a:chExt cx="4823534" cy="2867652"/>
+          </a:xfrm>
+        </p:grpSpPr>
+        <p:graphicFrame>
+          <p:nvGraphicFramePr>
+            <p:cNvPr id="5" name="Table 4">
+              <a:extLst>
+                <a:ext uri="{FF2B5EF4-FFF2-40B4-BE49-F238E27FC236}">
+                  <a16:creationId xmlns:a16="http://schemas.microsoft.com/office/drawing/2014/main" id="{4640A17D-5E1C-4679-B5FF-8655D9AD182D}"/>
+                </a:ext>
+              </a:extLst>
+            </p:cNvPr>
+            <p:cNvGraphicFramePr>
+              <a:graphicFrameLocks/>
+            </p:cNvGraphicFramePr>
+            <p:nvPr>
+              <p:extLst>
+                <p:ext uri="{D42A27DB-BD31-4B8C-83A1-F6EECF244321}">
+                  <p14:modId xmlns:p14="http://schemas.microsoft.com/office/powerpoint/2010/main" val="3488547039"/>
+                </p:ext>
+              </p:extLst>
+            </p:nvPr>
+          </p:nvGraphicFramePr>
+          <p:xfrm>
+            <a:off x="6027938" y="1350713"/>
+            <a:ext cx="4139954" cy="2494280"/>
+          </p:xfrm>
+          <a:graphic>
+            <a:graphicData uri="http://schemas.openxmlformats.org/drawingml/2006/table">
+              <a:tbl>
+                <a:tblPr firstRow="1" bandRow="1">
+                  <a:tableStyleId>{5C22544A-7EE6-4342-B048-85BDC9FD1C3A}</a:tableStyleId>
+                </a:tblPr>
+                <a:tblGrid>
+                  <a:gridCol w="959349">
+                    <a:extLst>
+                      <a:ext uri="{9D8B030D-6E8A-4147-A177-3AD203B41FA5}">
+                        <a16:colId xmlns:a16="http://schemas.microsoft.com/office/drawing/2014/main" val="61832935"/>
+                      </a:ext>
+                    </a:extLst>
+                  </a:gridCol>
+                  <a:gridCol w="757002">
+                    <a:extLst>
+                      <a:ext uri="{9D8B030D-6E8A-4147-A177-3AD203B41FA5}">
+                        <a16:colId xmlns:a16="http://schemas.microsoft.com/office/drawing/2014/main" val="293567324"/>
+                      </a:ext>
+                    </a:extLst>
+                  </a:gridCol>
+                  <a:gridCol w="2423603">
+                    <a:extLst>
+                      <a:ext uri="{9D8B030D-6E8A-4147-A177-3AD203B41FA5}">
+                        <a16:colId xmlns:a16="http://schemas.microsoft.com/office/drawing/2014/main" val="944387565"/>
+                      </a:ext>
+                    </a:extLst>
+                  </a:gridCol>
+                </a:tblGrid>
+                <a:tr h="370840">
+                  <a:tc>
+                    <a:txBody>
+                      <a:bodyPr/>
+                      <a:lstStyle/>
+                      <a:p>
+                        <a:r>
+                          <a:rPr lang="en-US" dirty="0"/>
+                          <a:t>Zip Code</a:t>
+                        </a:r>
+                      </a:p>
+                    </a:txBody>
+                    <a:tcPr/>
+                  </a:tc>
+                  <a:tc>
+                    <a:txBody>
+                      <a:bodyPr/>
+                      <a:lstStyle/>
+                      <a:p>
+                        <a:r>
+                          <a:rPr lang="en-US" dirty="0"/>
+                          <a:t>Rank</a:t>
+                        </a:r>
+                      </a:p>
+                    </a:txBody>
+                    <a:tcPr/>
+                  </a:tc>
+                  <a:tc>
+                    <a:txBody>
+                      <a:bodyPr/>
+                      <a:lstStyle/>
+                      <a:p>
+                        <a:r>
+                          <a:rPr lang="en-US" dirty="0"/>
+                          <a:t>ROI 95% Confidence Interval (%)</a:t>
+                        </a:r>
+                      </a:p>
+                    </a:txBody>
+                    <a:tcPr/>
+                  </a:tc>
+                  <a:extLst>
+                    <a:ext uri="{0D108BD9-81ED-4DB2-BD59-A6C34878D82A}">
+                      <a16:rowId xmlns:a16="http://schemas.microsoft.com/office/drawing/2014/main" val="1481981044"/>
+                    </a:ext>
+                  </a:extLst>
+                </a:tr>
+                <a:tr h="370840">
+                  <a:tc>
+                    <a:txBody>
+                      <a:bodyPr/>
+                      <a:lstStyle/>
+                      <a:p>
+                        <a:pPr algn="r"/>
+                        <a:r>
+                          <a:rPr lang="en-US" dirty="0"/>
+                          <a:t>76014</a:t>
+                        </a:r>
+                      </a:p>
+                    </a:txBody>
+                    <a:tcPr/>
+                  </a:tc>
+                  <a:tc>
+                    <a:txBody>
+                      <a:bodyPr/>
+                      <a:lstStyle/>
+                      <a:p>
+                        <a:pPr algn="r"/>
+                        <a:r>
+                          <a:rPr lang="en-US" dirty="0"/>
+                          <a:t>1</a:t>
+                        </a:r>
+                      </a:p>
+                    </a:txBody>
+                    <a:tcPr/>
+                  </a:tc>
+                  <a:tc>
+                    <a:txBody>
+                      <a:bodyPr/>
+                      <a:lstStyle/>
+                      <a:p>
+                        <a:pPr algn="r"/>
+                        <a:r>
+                          <a:rPr lang="en-US" dirty="0"/>
+                          <a:t>11.6 – 53.1</a:t>
+                        </a:r>
+                      </a:p>
+                    </a:txBody>
+                    <a:tcPr/>
+                  </a:tc>
+                  <a:extLst>
+                    <a:ext uri="{0D108BD9-81ED-4DB2-BD59-A6C34878D82A}">
+                      <a16:rowId xmlns:a16="http://schemas.microsoft.com/office/drawing/2014/main" val="4224581583"/>
+                    </a:ext>
+                  </a:extLst>
+                </a:tr>
+                <a:tr h="370840">
+                  <a:tc>
+                    <a:txBody>
+                      <a:bodyPr/>
+                      <a:lstStyle/>
+                      <a:p>
+                        <a:pPr algn="r"/>
+                        <a:r>
+                          <a:rPr lang="en-US" dirty="0"/>
+                          <a:t>76179</a:t>
+                        </a:r>
+                      </a:p>
+                    </a:txBody>
+                    <a:tcPr/>
+                  </a:tc>
+                  <a:tc>
+                    <a:txBody>
+                      <a:bodyPr/>
+                      <a:lstStyle/>
+                      <a:p>
+                        <a:pPr algn="r"/>
+                        <a:r>
+                          <a:rPr lang="en-US" dirty="0"/>
+                          <a:t>2</a:t>
+                        </a:r>
+                      </a:p>
+                    </a:txBody>
+                    <a:tcPr/>
+                  </a:tc>
+                  <a:tc>
+                    <a:txBody>
+                      <a:bodyPr/>
+                      <a:lstStyle/>
+                      <a:p>
+                        <a:pPr algn="r"/>
+                        <a:r>
+                          <a:rPr lang="en-US" dirty="0"/>
+                          <a:t>-4.6 – 38.1</a:t>
+                        </a:r>
+                      </a:p>
+                    </a:txBody>
+                    <a:tcPr/>
+                  </a:tc>
+                  <a:extLst>
+                    <a:ext uri="{0D108BD9-81ED-4DB2-BD59-A6C34878D82A}">
+                      <a16:rowId xmlns:a16="http://schemas.microsoft.com/office/drawing/2014/main" val="2456253464"/>
+                    </a:ext>
+                  </a:extLst>
+                </a:tr>
+                <a:tr h="370840">
+                  <a:tc>
+                    <a:txBody>
+                      <a:bodyPr/>
+                      <a:lstStyle/>
+                      <a:p>
+                        <a:pPr algn="r"/>
+                        <a:r>
+                          <a:rPr lang="en-US" dirty="0"/>
+                          <a:t>76001</a:t>
+                        </a:r>
+                      </a:p>
+                    </a:txBody>
+                    <a:tcPr/>
+                  </a:tc>
+                  <a:tc>
+                    <a:txBody>
+                      <a:bodyPr/>
+                      <a:lstStyle/>
+                      <a:p>
+                        <a:pPr algn="r"/>
+                        <a:r>
+                          <a:rPr lang="en-US" dirty="0"/>
+                          <a:t>3</a:t>
+                        </a:r>
+                      </a:p>
+                    </a:txBody>
+                    <a:tcPr/>
+                  </a:tc>
+                  <a:tc>
+                    <a:txBody>
+                      <a:bodyPr/>
+                      <a:lstStyle/>
+                      <a:p>
+                        <a:pPr algn="r"/>
+                        <a:r>
+                          <a:rPr lang="en-US" dirty="0"/>
+                          <a:t>0.6 – 43.8</a:t>
+                        </a:r>
+                      </a:p>
+                    </a:txBody>
+                    <a:tcPr/>
+                  </a:tc>
+                  <a:extLst>
+                    <a:ext uri="{0D108BD9-81ED-4DB2-BD59-A6C34878D82A}">
+                      <a16:rowId xmlns:a16="http://schemas.microsoft.com/office/drawing/2014/main" val="929214"/>
+                    </a:ext>
+                  </a:extLst>
+                </a:tr>
+                <a:tr h="370840">
+                  <a:tc>
+                    <a:txBody>
+                      <a:bodyPr/>
+                      <a:lstStyle/>
+                      <a:p>
+                        <a:pPr algn="r"/>
+                        <a:r>
+                          <a:rPr lang="en-US" dirty="0"/>
+                          <a:t>76017</a:t>
+                        </a:r>
+                      </a:p>
+                    </a:txBody>
+                    <a:tcPr/>
+                  </a:tc>
+                  <a:tc>
+                    <a:txBody>
+                      <a:bodyPr/>
+                      <a:lstStyle/>
+                      <a:p>
+                        <a:pPr algn="r"/>
+                        <a:r>
+                          <a:rPr lang="en-US" dirty="0"/>
+                          <a:t>4</a:t>
+                        </a:r>
+                      </a:p>
+                    </a:txBody>
+                    <a:tcPr/>
+                  </a:tc>
+                  <a:tc>
+                    <a:txBody>
+                      <a:bodyPr/>
+                      <a:lstStyle/>
+                      <a:p>
+                        <a:pPr algn="r"/>
+                        <a:r>
+                          <a:rPr lang="en-US" dirty="0"/>
+                          <a:t>-1.0 – 42.8</a:t>
+                        </a:r>
+                      </a:p>
+                    </a:txBody>
+                    <a:tcPr/>
+                  </a:tc>
+                  <a:extLst>
+                    <a:ext uri="{0D108BD9-81ED-4DB2-BD59-A6C34878D82A}">
+                      <a16:rowId xmlns:a16="http://schemas.microsoft.com/office/drawing/2014/main" val="3251756527"/>
+                    </a:ext>
+                  </a:extLst>
+                </a:tr>
+                <a:tr h="370840">
+                  <a:tc>
+                    <a:txBody>
+                      <a:bodyPr/>
+                      <a:lstStyle/>
+                      <a:p>
+                        <a:pPr algn="r"/>
+                        <a:r>
+                          <a:rPr lang="en-US" dirty="0"/>
+                          <a:t>76133</a:t>
+                        </a:r>
+                      </a:p>
+                    </a:txBody>
+                    <a:tcPr/>
+                  </a:tc>
+                  <a:tc>
+                    <a:txBody>
+                      <a:bodyPr/>
+                      <a:lstStyle/>
+                      <a:p>
+                        <a:pPr algn="r"/>
+                        <a:r>
+                          <a:rPr lang="en-US" dirty="0"/>
+                          <a:t>5</a:t>
+                        </a:r>
+                      </a:p>
+                    </a:txBody>
+                    <a:tcPr/>
+                  </a:tc>
+                  <a:tc>
+                    <a:txBody>
+                      <a:bodyPr/>
+                      <a:lstStyle/>
+                      <a:p>
+                        <a:pPr algn="r"/>
+                        <a:r>
+                          <a:rPr lang="en-US" dirty="0"/>
+                          <a:t>16.8 – 61.0</a:t>
+                        </a:r>
+                      </a:p>
+                    </a:txBody>
+                    <a:tcPr/>
+                  </a:tc>
+                  <a:extLst>
+                    <a:ext uri="{0D108BD9-81ED-4DB2-BD59-A6C34878D82A}">
+                      <a16:rowId xmlns:a16="http://schemas.microsoft.com/office/drawing/2014/main" val="1538851721"/>
+                    </a:ext>
+                  </a:extLst>
+                </a:tr>
+              </a:tbl>
+            </a:graphicData>
+          </a:graphic>
+        </p:graphicFrame>
+        <p:sp>
+          <p:nvSpPr>
+            <p:cNvPr id="8" name="TextBox 7">
+              <a:extLst>
+                <a:ext uri="{FF2B5EF4-FFF2-40B4-BE49-F238E27FC236}">
+                  <a16:creationId xmlns:a16="http://schemas.microsoft.com/office/drawing/2014/main" id="{9B87B3A5-D870-4AF6-8948-760665035060}"/>
+                </a:ext>
+              </a:extLst>
+            </p:cNvPr>
+            <p:cNvSpPr txBox="1"/>
+            <p:nvPr/>
+          </p:nvSpPr>
+          <p:spPr>
+            <a:xfrm>
+              <a:off x="6027938" y="977341"/>
+              <a:ext cx="4823534" cy="369332"/>
+            </a:xfrm>
+            <a:prstGeom prst="rect">
+              <a:avLst/>
+            </a:prstGeom>
+            <a:noFill/>
+          </p:spPr>
+          <p:txBody>
+            <a:bodyPr wrap="square" rtlCol="0">
+              <a:spAutoFit/>
+            </a:bodyPr>
+            <a:lstStyle/>
+            <a:p>
+              <a:r>
+                <a:rPr lang="en-US" u="sng" dirty="0"/>
+                <a:t>Uncertainty of 3 Year Forecasted ROI Only</a:t>
+              </a:r>
+            </a:p>
+          </p:txBody>
+        </p:sp>
+      </p:grpSp>
+      <p:grpSp>
+        <p:nvGrpSpPr>
+          <p:cNvPr id="12" name="Group 11">
+            <a:extLst>
+              <a:ext uri="{FF2B5EF4-FFF2-40B4-BE49-F238E27FC236}">
+                <a16:creationId xmlns:a16="http://schemas.microsoft.com/office/drawing/2014/main" id="{9820D6FE-8087-40B8-B5FC-7C7CC8A8F494}"/>
+              </a:ext>
+            </a:extLst>
+          </p:cNvPr>
+          <p:cNvGrpSpPr/>
+          <p:nvPr/>
+        </p:nvGrpSpPr>
+        <p:grpSpPr>
+          <a:xfrm>
+            <a:off x="598770" y="772851"/>
+            <a:ext cx="4536695" cy="2863612"/>
+            <a:chOff x="2751872" y="3890815"/>
+            <a:chExt cx="4536695" cy="2863612"/>
+          </a:xfrm>
+        </p:grpSpPr>
+        <p:graphicFrame>
+          <p:nvGraphicFramePr>
+            <p:cNvPr id="6" name="Table 5">
+              <a:extLst>
+                <a:ext uri="{FF2B5EF4-FFF2-40B4-BE49-F238E27FC236}">
+                  <a16:creationId xmlns:a16="http://schemas.microsoft.com/office/drawing/2014/main" id="{8EE17050-4784-4989-B07A-8AD888681B2E}"/>
+                </a:ext>
+              </a:extLst>
+            </p:cNvPr>
+            <p:cNvGraphicFramePr>
+              <a:graphicFrameLocks/>
+            </p:cNvGraphicFramePr>
+            <p:nvPr>
+              <p:extLst>
+                <p:ext uri="{D42A27DB-BD31-4B8C-83A1-F6EECF244321}">
+                  <p14:modId xmlns:p14="http://schemas.microsoft.com/office/powerpoint/2010/main" val="1672597670"/>
+                </p:ext>
+              </p:extLst>
+            </p:nvPr>
+          </p:nvGraphicFramePr>
+          <p:xfrm>
+            <a:off x="2751872" y="4260147"/>
+            <a:ext cx="4536695" cy="2494280"/>
+          </p:xfrm>
+          <a:graphic>
+            <a:graphicData uri="http://schemas.openxmlformats.org/drawingml/2006/table">
+              <a:tbl>
+                <a:tblPr firstRow="1" bandRow="1">
+                  <a:tableStyleId>{5C22544A-7EE6-4342-B048-85BDC9FD1C3A}</a:tableStyleId>
+                </a:tblPr>
+                <a:tblGrid>
+                  <a:gridCol w="790112">
+                    <a:extLst>
+                      <a:ext uri="{9D8B030D-6E8A-4147-A177-3AD203B41FA5}">
+                        <a16:colId xmlns:a16="http://schemas.microsoft.com/office/drawing/2014/main" val="61832935"/>
+                      </a:ext>
+                    </a:extLst>
+                  </a:gridCol>
+                  <a:gridCol w="736847">
+                    <a:extLst>
+                      <a:ext uri="{9D8B030D-6E8A-4147-A177-3AD203B41FA5}">
+                        <a16:colId xmlns:a16="http://schemas.microsoft.com/office/drawing/2014/main" val="293567324"/>
+                      </a:ext>
+                    </a:extLst>
+                  </a:gridCol>
+                  <a:gridCol w="3009736">
+                    <a:extLst>
+                      <a:ext uri="{9D8B030D-6E8A-4147-A177-3AD203B41FA5}">
+                        <a16:colId xmlns:a16="http://schemas.microsoft.com/office/drawing/2014/main" val="944387565"/>
+                      </a:ext>
+                    </a:extLst>
+                  </a:gridCol>
+                </a:tblGrid>
+                <a:tr h="370840">
+                  <a:tc>
+                    <a:txBody>
+                      <a:bodyPr/>
+                      <a:lstStyle/>
+                      <a:p>
+                        <a:r>
+                          <a:rPr lang="en-US" dirty="0"/>
+                          <a:t>Zip Code</a:t>
+                        </a:r>
+                      </a:p>
+                    </a:txBody>
+                    <a:tcPr/>
+                  </a:tc>
+                  <a:tc>
+                    <a:txBody>
+                      <a:bodyPr/>
+                      <a:lstStyle/>
+                      <a:p>
+                        <a:r>
+                          <a:rPr lang="en-US" dirty="0"/>
+                          <a:t>Rank</a:t>
+                        </a:r>
+                      </a:p>
+                    </a:txBody>
+                    <a:tcPr/>
+                  </a:tc>
+                  <a:tc>
+                    <a:txBody>
+                      <a:bodyPr/>
+                      <a:lstStyle/>
+                      <a:p>
+                        <a:r>
+                          <a:rPr lang="en-US" dirty="0"/>
+                          <a:t>Mean Absolute Percentage Error (MAPE) (%)</a:t>
+                        </a:r>
+                      </a:p>
+                    </a:txBody>
+                    <a:tcPr/>
+                  </a:tc>
+                  <a:extLst>
+                    <a:ext uri="{0D108BD9-81ED-4DB2-BD59-A6C34878D82A}">
+                      <a16:rowId xmlns:a16="http://schemas.microsoft.com/office/drawing/2014/main" val="1481981044"/>
+                    </a:ext>
+                  </a:extLst>
+                </a:tr>
+                <a:tr h="370840">
+                  <a:tc>
+                    <a:txBody>
+                      <a:bodyPr/>
+                      <a:lstStyle/>
+                      <a:p>
+                        <a:pPr algn="r"/>
+                        <a:r>
+                          <a:rPr lang="en-US" dirty="0"/>
+                          <a:t>76001</a:t>
+                        </a:r>
+                      </a:p>
+                    </a:txBody>
+                    <a:tcPr/>
+                  </a:tc>
+                  <a:tc>
+                    <a:txBody>
+                      <a:bodyPr/>
+                      <a:lstStyle/>
+                      <a:p>
+                        <a:pPr algn="r"/>
+                        <a:r>
+                          <a:rPr lang="en-US" dirty="0"/>
+                          <a:t>1</a:t>
+                        </a:r>
+                      </a:p>
+                    </a:txBody>
+                    <a:tcPr/>
+                  </a:tc>
+                  <a:tc>
+                    <a:txBody>
+                      <a:bodyPr/>
+                      <a:lstStyle/>
+                      <a:p>
+                        <a:pPr algn="r"/>
+                        <a:r>
+                          <a:rPr lang="en-US" dirty="0"/>
+                          <a:t>1.1</a:t>
+                        </a:r>
+                      </a:p>
+                    </a:txBody>
+                    <a:tcPr/>
+                  </a:tc>
+                  <a:extLst>
+                    <a:ext uri="{0D108BD9-81ED-4DB2-BD59-A6C34878D82A}">
+                      <a16:rowId xmlns:a16="http://schemas.microsoft.com/office/drawing/2014/main" val="4224581583"/>
+                    </a:ext>
+                  </a:extLst>
+                </a:tr>
+                <a:tr h="370840">
+                  <a:tc>
+                    <a:txBody>
+                      <a:bodyPr/>
+                      <a:lstStyle/>
+                      <a:p>
+                        <a:pPr algn="r"/>
+                        <a:r>
+                          <a:rPr lang="en-US" dirty="0"/>
+                          <a:t>76177</a:t>
+                        </a:r>
+                      </a:p>
+                    </a:txBody>
+                    <a:tcPr/>
+                  </a:tc>
+                  <a:tc>
+                    <a:txBody>
+                      <a:bodyPr/>
+                      <a:lstStyle/>
+                      <a:p>
+                        <a:pPr algn="r"/>
+                        <a:r>
+                          <a:rPr lang="en-US" dirty="0"/>
+                          <a:t>2</a:t>
+                        </a:r>
+                      </a:p>
+                    </a:txBody>
+                    <a:tcPr/>
+                  </a:tc>
+                  <a:tc>
+                    <a:txBody>
+                      <a:bodyPr/>
+                      <a:lstStyle/>
+                      <a:p>
+                        <a:pPr algn="r"/>
+                        <a:r>
+                          <a:rPr lang="en-US" dirty="0"/>
+                          <a:t>1.2</a:t>
+                        </a:r>
+                      </a:p>
+                    </a:txBody>
+                    <a:tcPr/>
+                  </a:tc>
+                  <a:extLst>
+                    <a:ext uri="{0D108BD9-81ED-4DB2-BD59-A6C34878D82A}">
+                      <a16:rowId xmlns:a16="http://schemas.microsoft.com/office/drawing/2014/main" val="2456253464"/>
+                    </a:ext>
+                  </a:extLst>
+                </a:tr>
+                <a:tr h="370840">
+                  <a:tc>
+                    <a:txBody>
+                      <a:bodyPr/>
+                      <a:lstStyle/>
+                      <a:p>
+                        <a:pPr algn="r"/>
+                        <a:r>
+                          <a:rPr lang="en-US" dirty="0"/>
+                          <a:t>76247</a:t>
+                        </a:r>
+                      </a:p>
+                    </a:txBody>
+                    <a:tcPr/>
+                  </a:tc>
+                  <a:tc>
+                    <a:txBody>
+                      <a:bodyPr/>
+                      <a:lstStyle/>
+                      <a:p>
+                        <a:pPr algn="r"/>
+                        <a:r>
+                          <a:rPr lang="en-US" dirty="0"/>
+                          <a:t>3.5</a:t>
+                        </a:r>
+                      </a:p>
+                    </a:txBody>
+                    <a:tcPr/>
+                  </a:tc>
+                  <a:tc>
+                    <a:txBody>
+                      <a:bodyPr/>
+                      <a:lstStyle/>
+                      <a:p>
+                        <a:pPr algn="r"/>
+                        <a:r>
+                          <a:rPr lang="en-US" dirty="0"/>
+                          <a:t>1.9</a:t>
+                        </a:r>
+                      </a:p>
+                    </a:txBody>
+                    <a:tcPr/>
+                  </a:tc>
+                  <a:extLst>
+                    <a:ext uri="{0D108BD9-81ED-4DB2-BD59-A6C34878D82A}">
+                      <a16:rowId xmlns:a16="http://schemas.microsoft.com/office/drawing/2014/main" val="929214"/>
+                    </a:ext>
+                  </a:extLst>
+                </a:tr>
+                <a:tr h="370840">
+                  <a:tc>
+                    <a:txBody>
+                      <a:bodyPr/>
+                      <a:lstStyle/>
+                      <a:p>
+                        <a:pPr algn="r"/>
+                        <a:r>
+                          <a:rPr lang="en-US" dirty="0"/>
+                          <a:t>76126</a:t>
+                        </a:r>
+                      </a:p>
+                    </a:txBody>
+                    <a:tcPr/>
+                  </a:tc>
+                  <a:tc>
+                    <a:txBody>
+                      <a:bodyPr/>
+                      <a:lstStyle/>
+                      <a:p>
+                        <a:pPr algn="r"/>
+                        <a:r>
+                          <a:rPr lang="en-US" dirty="0"/>
+                          <a:t>3.5</a:t>
+                        </a:r>
+                      </a:p>
+                    </a:txBody>
+                    <a:tcPr/>
+                  </a:tc>
+                  <a:tc>
+                    <a:txBody>
+                      <a:bodyPr/>
+                      <a:lstStyle/>
+                      <a:p>
+                        <a:pPr algn="r"/>
+                        <a:r>
+                          <a:rPr lang="en-US" dirty="0"/>
+                          <a:t>1.9</a:t>
+                        </a:r>
+                      </a:p>
+                    </a:txBody>
+                    <a:tcPr/>
+                  </a:tc>
+                  <a:extLst>
+                    <a:ext uri="{0D108BD9-81ED-4DB2-BD59-A6C34878D82A}">
+                      <a16:rowId xmlns:a16="http://schemas.microsoft.com/office/drawing/2014/main" val="3251756527"/>
+                    </a:ext>
+                  </a:extLst>
+                </a:tr>
+                <a:tr h="370840">
+                  <a:tc>
+                    <a:txBody>
+                      <a:bodyPr/>
+                      <a:lstStyle/>
+                      <a:p>
+                        <a:pPr algn="r"/>
+                        <a:r>
+                          <a:rPr lang="en-US" dirty="0"/>
+                          <a:t>76040</a:t>
+                        </a:r>
+                      </a:p>
+                    </a:txBody>
+                    <a:tcPr/>
+                  </a:tc>
+                  <a:tc>
+                    <a:txBody>
+                      <a:bodyPr/>
+                      <a:lstStyle/>
+                      <a:p>
+                        <a:pPr algn="r"/>
+                        <a:r>
+                          <a:rPr lang="en-US" dirty="0"/>
+                          <a:t>5</a:t>
+                        </a:r>
+                      </a:p>
+                    </a:txBody>
+                    <a:tcPr/>
+                  </a:tc>
+                  <a:tc>
+                    <a:txBody>
+                      <a:bodyPr/>
+                      <a:lstStyle/>
+                      <a:p>
+                        <a:pPr algn="r"/>
+                        <a:r>
+                          <a:rPr lang="en-US" dirty="0"/>
+                          <a:t>2.0</a:t>
+                        </a:r>
+                      </a:p>
+                    </a:txBody>
+                    <a:tcPr/>
+                  </a:tc>
+                  <a:extLst>
+                    <a:ext uri="{0D108BD9-81ED-4DB2-BD59-A6C34878D82A}">
+                      <a16:rowId xmlns:a16="http://schemas.microsoft.com/office/drawing/2014/main" val="1538851721"/>
+                    </a:ext>
+                  </a:extLst>
+                </a:tr>
+              </a:tbl>
+            </a:graphicData>
+          </a:graphic>
+        </p:graphicFrame>
+        <p:sp>
+          <p:nvSpPr>
+            <p:cNvPr id="9" name="TextBox 8">
+              <a:extLst>
+                <a:ext uri="{FF2B5EF4-FFF2-40B4-BE49-F238E27FC236}">
+                  <a16:creationId xmlns:a16="http://schemas.microsoft.com/office/drawing/2014/main" id="{C914D109-FA00-43C9-8F13-5920C9A221A3}"/>
+                </a:ext>
+              </a:extLst>
+            </p:cNvPr>
+            <p:cNvSpPr txBox="1"/>
+            <p:nvPr/>
+          </p:nvSpPr>
+          <p:spPr>
+            <a:xfrm>
+              <a:off x="2751872" y="3890815"/>
+              <a:ext cx="2484160" cy="369332"/>
+            </a:xfrm>
+            <a:prstGeom prst="rect">
+              <a:avLst/>
+            </a:prstGeom>
+            <a:noFill/>
+          </p:spPr>
+          <p:txBody>
+            <a:bodyPr wrap="square" rtlCol="0">
+              <a:spAutoFit/>
+            </a:bodyPr>
+            <a:lstStyle/>
+            <a:p>
+              <a:r>
+                <a:rPr lang="en-US" u="sng" dirty="0"/>
+                <a:t>Predictability Only</a:t>
+              </a:r>
+            </a:p>
+          </p:txBody>
+        </p:sp>
+      </p:grpSp>
+    </p:spTree>
+    <p:extLst>
+      <p:ext uri="{BB962C8B-B14F-4D97-AF65-F5344CB8AC3E}">
+        <p14:creationId xmlns:p14="http://schemas.microsoft.com/office/powerpoint/2010/main" val="432797065"/>
+      </p:ext>
+    </p:extLst>
+  </p:cSld>
+  <p:clrMapOvr>
+    <a:masterClrMapping/>
+  </p:clrMapOvr>
+</p:sld>
+</file>
+
+<file path=ppt/slides/slide11.xml><?xml version="1.0" encoding="utf-8"?>
+<p:sld xmlns:a="http://schemas.openxmlformats.org/drawingml/2006/main" xmlns:r="http://schemas.openxmlformats.org/officeDocument/2006/relationships" xmlns:p="http://schemas.openxmlformats.org/presentationml/2006/main">
+  <p:cSld>
+    <p:spTree>
+      <p:nvGrpSpPr>
+        <p:cNvPr id="1" name=""/>
+        <p:cNvGrpSpPr/>
+        <p:nvPr/>
+      </p:nvGrpSpPr>
+      <p:grpSpPr>
+        <a:xfrm>
+          <a:off x="0" y="0"/>
+          <a:ext cx="0" cy="0"/>
+          <a:chOff x="0" y="0"/>
+          <a:chExt cx="0" cy="0"/>
+        </a:xfrm>
+      </p:grpSpPr>
+      <p:sp>
+        <p:nvSpPr>
+          <p:cNvPr id="2" name="Title 1">
+            <a:extLst>
+              <a:ext uri="{FF2B5EF4-FFF2-40B4-BE49-F238E27FC236}">
+                <a16:creationId xmlns:a16="http://schemas.microsoft.com/office/drawing/2014/main" id="{2E7BA5B6-10BF-4942-B279-389B40BD7E02}"/>
+              </a:ext>
+            </a:extLst>
+          </p:cNvPr>
+          <p:cNvSpPr>
+            <a:spLocks noGrp="1"/>
+          </p:cNvSpPr>
+          <p:nvPr>
+            <p:ph type="title"/>
+          </p:nvPr>
+        </p:nvSpPr>
+        <p:spPr/>
+        <p:txBody>
+          <a:bodyPr/>
+          <a:lstStyle/>
+          <a:p>
+            <a:r>
+              <a:rPr lang="en-US" dirty="0"/>
+              <a:t>Future Work</a:t>
+            </a:r>
+          </a:p>
+        </p:txBody>
+      </p:sp>
+      <p:sp>
+        <p:nvSpPr>
+          <p:cNvPr id="3" name="Content Placeholder 2">
+            <a:extLst>
+              <a:ext uri="{FF2B5EF4-FFF2-40B4-BE49-F238E27FC236}">
+                <a16:creationId xmlns:a16="http://schemas.microsoft.com/office/drawing/2014/main" id="{90B9A5C3-6D25-417A-8F70-3DFA774281BC}"/>
+              </a:ext>
+            </a:extLst>
+          </p:cNvPr>
+          <p:cNvSpPr>
+            <a:spLocks noGrp="1"/>
+          </p:cNvSpPr>
+          <p:nvPr>
+            <p:ph idx="1"/>
+          </p:nvPr>
+        </p:nvSpPr>
+        <p:spPr/>
+        <p:txBody>
+          <a:bodyPr/>
+          <a:lstStyle/>
+          <a:p>
+            <a:r>
+              <a:rPr lang="en-US" dirty="0"/>
+              <a:t>Use additional data to try to improve time series predictions</a:t>
+            </a:r>
+          </a:p>
+          <a:p>
+            <a:pPr lvl="1"/>
+            <a:r>
+              <a:rPr lang="en-US" dirty="0"/>
+              <a:t>Population growth / decline</a:t>
+            </a:r>
+          </a:p>
+          <a:p>
+            <a:pPr lvl="1"/>
+            <a:r>
+              <a:rPr lang="en-US" dirty="0"/>
+              <a:t>Per capita income changes</a:t>
+            </a:r>
+          </a:p>
+          <a:p>
+            <a:pPr lvl="1"/>
+            <a:r>
+              <a:rPr lang="en-US" dirty="0"/>
+              <a:t>Economic growth / decline</a:t>
+            </a:r>
+          </a:p>
+          <a:p>
+            <a:pPr lvl="1"/>
+            <a:r>
+              <a:rPr lang="en-US" dirty="0"/>
+              <a:t>Demographics</a:t>
+            </a:r>
+          </a:p>
+          <a:p>
+            <a:pPr marL="457200" lvl="1" indent="0">
+              <a:buNone/>
+            </a:pPr>
+            <a:endParaRPr lang="en-US" dirty="0"/>
+          </a:p>
+          <a:p>
+            <a:pPr indent="-285750"/>
+            <a:r>
+              <a:rPr lang="en-US" dirty="0"/>
+              <a:t>Assess 3-year forecasts made in this study when all data are available</a:t>
+            </a:r>
+          </a:p>
+          <a:p>
+            <a:pPr lvl="1"/>
+            <a:r>
+              <a:rPr lang="en-US" dirty="0"/>
+              <a:t>… how well did these forecasts hold up ?</a:t>
+            </a:r>
+          </a:p>
+          <a:p>
+            <a:pPr marL="57150" indent="0">
+              <a:buNone/>
+            </a:pPr>
+            <a:endParaRPr lang="en-US" dirty="0"/>
+          </a:p>
+          <a:p>
+            <a:pPr lvl="1"/>
+            <a:endParaRPr lang="en-US" dirty="0"/>
+          </a:p>
+          <a:p>
+            <a:pPr lvl="1"/>
+            <a:endParaRPr lang="en-US" dirty="0"/>
+          </a:p>
+        </p:txBody>
+      </p:sp>
+    </p:spTree>
+    <p:extLst>
+      <p:ext uri="{BB962C8B-B14F-4D97-AF65-F5344CB8AC3E}">
+        <p14:creationId xmlns:p14="http://schemas.microsoft.com/office/powerpoint/2010/main" val="1892344816"/>
+      </p:ext>
+    </p:extLst>
+  </p:cSld>
+  <p:clrMapOvr>
+    <a:masterClrMapping/>
+  </p:clrMapOvr>
+</p:sld>
+</file>
+
+<file path=ppt/slides/slide12.xml><?xml version="1.0" encoding="utf-8"?>
+<p:sld xmlns:a="http://schemas.openxmlformats.org/drawingml/2006/main" xmlns:r="http://schemas.openxmlformats.org/officeDocument/2006/relationships" xmlns:p="http://schemas.openxmlformats.org/presentationml/2006/main">
+  <p:cSld>
     <p:bg>
       <p:bgPr>
         <a:solidFill>
@@ -9288,7 +10731,7 @@
         </p:spPr>
         <p:txBody>
           <a:bodyPr anchor="ctr">
-            <a:normAutofit/>
+            <a:normAutofit lnSpcReduction="10000"/>
           </a:bodyPr>
           <a:lstStyle/>
           <a:p>
@@ -9313,6 +10756,21 @@
             <a:r>
               <a:rPr lang="en-US" dirty="0"/>
               <a:t>a model using to historical ‘training’ data, capturing past patterns</a:t>
+            </a:r>
+          </a:p>
+          <a:p>
+            <a:pPr lvl="1"/>
+            <a:r>
+              <a:rPr lang="en-US" b="1" u="sng" dirty="0"/>
+              <a:t>Note:</a:t>
+            </a:r>
+            <a:r>
+              <a:rPr lang="en-US" b="1" dirty="0"/>
+              <a:t> </a:t>
+            </a:r>
+            <a:r>
+              <a:rPr lang="en-US" dirty="0"/>
+              <a:t>Unique model fit to each zip code in this study – not one model for all</a:t>
             </a:r>
           </a:p>
           <a:p>
@@ -9406,17 +10864,17 @@
         <p:spPr>
           <a:xfrm>
             <a:off x="677334" y="4765972"/>
-            <a:ext cx="8596668" cy="1320800"/>
+            <a:ext cx="7133166" cy="1882478"/>
           </a:xfrm>
         </p:spPr>
         <p:txBody>
           <a:bodyPr anchor="ctr">
-            <a:normAutofit fontScale="90000"/>
+            <a:normAutofit/>
           </a:bodyPr>
           <a:lstStyle/>
           <a:p>
             <a:r>
-              <a:rPr lang="en-US" sz="4400" b="1" dirty="0"/>
+              <a:rPr lang="en-US" b="1" dirty="0"/>
               <a:t>Time Series Modeling &amp; Forecasting (In a Nutshell)</a:t>
             </a:r>
           </a:p>
@@ -9424,121 +10882,88 @@
       </p:sp>
       <p:pic>
         <p:nvPicPr>
-          <p:cNvPr id="5" name="Graphic 4" descr="Statistics RTL">
+          <p:cNvPr id="22" name="Picture 2">
             <a:extLst>
               <a:ext uri="{FF2B5EF4-FFF2-40B4-BE49-F238E27FC236}">
-                <a16:creationId xmlns:a16="http://schemas.microsoft.com/office/drawing/2014/main" id="{27C6533E-9CA5-4111-8846-AE87A5CB766B}"/>
+                <a16:creationId xmlns:a16="http://schemas.microsoft.com/office/drawing/2014/main" id="{AEFC109F-6EF6-4C91-9DEA-12E7FAC3389C}"/>
               </a:ext>
             </a:extLst>
           </p:cNvPr>
           <p:cNvPicPr>
-            <a:picLocks noChangeAspect="1"/>
+            <a:picLocks noChangeAspect="1" noChangeArrowheads="1"/>
           </p:cNvPicPr>
           <p:nvPr/>
         </p:nvPicPr>
-        <p:blipFill>
+        <p:blipFill rotWithShape="1">
           <a:blip r:embed="rId2">
             <a:extLst>
               <a:ext uri="{28A0092B-C50C-407E-A947-70E740481C1C}">
                 <a14:useLocalDpi xmlns:a14="http://schemas.microsoft.com/office/drawing/2010/main" val="0"/>
               </a:ext>
-              <a:ext uri="{96DAC541-7B7A-43D3-8B79-37D633B846F1}">
-                <asvg:svgBlip xmlns:asvg="http://schemas.microsoft.com/office/drawing/2016/SVG/main" r:embed="rId3"/>
-              </a:ext>
             </a:extLst>
           </a:blip>
-          <a:stretch>
-            <a:fillRect/>
-          </a:stretch>
+          <a:srcRect t="6281" b="1239"/>
+          <a:stretch/>
         </p:blipFill>
-        <p:spPr>
+        <p:spPr bwMode="auto">
           <a:xfrm>
-            <a:off x="9282147" y="491067"/>
-            <a:ext cx="914400" cy="914400"/>
+            <a:off x="6441810" y="2568195"/>
+            <a:ext cx="5375883" cy="3175380"/>
           </a:xfrm>
           <a:prstGeom prst="rect">
             <a:avLst/>
           </a:prstGeom>
+          <a:solidFill>
+            <a:schemeClr val="bg1"/>
+          </a:solidFill>
+          <a:ln w="25400">
+            <a:solidFill>
+              <a:schemeClr val="tx1"/>
+            </a:solidFill>
+          </a:ln>
         </p:spPr>
       </p:pic>
-      <p:pic>
-        <p:nvPicPr>
-          <p:cNvPr id="7" name="Graphic 6" descr="Research">
+      <p:cxnSp>
+        <p:nvCxnSpPr>
+          <p:cNvPr id="6" name="Straight Arrow Connector 5">
             <a:extLst>
               <a:ext uri="{FF2B5EF4-FFF2-40B4-BE49-F238E27FC236}">
-                <a16:creationId xmlns:a16="http://schemas.microsoft.com/office/drawing/2014/main" id="{24DDE9E4-54DE-4EC1-B827-AE1D635565AD}"/>
+                <a16:creationId xmlns:a16="http://schemas.microsoft.com/office/drawing/2014/main" id="{41F76730-1E44-41C3-A597-4D42413E4D25}"/>
               </a:ext>
             </a:extLst>
           </p:cNvPr>
-          <p:cNvPicPr>
-            <a:picLocks noChangeAspect="1"/>
-          </p:cNvPicPr>
+          <p:cNvCxnSpPr>
+            <a:cxnSpLocks/>
+          </p:cNvCxnSpPr>
           <p:nvPr/>
-        </p:nvPicPr>
-        <p:blipFill>
-          <a:blip r:embed="rId4">
-            <a:extLst>
-              <a:ext uri="{28A0092B-C50C-407E-A947-70E740481C1C}">
-                <a14:useLocalDpi xmlns:a14="http://schemas.microsoft.com/office/drawing/2010/main" val="0"/>
-              </a:ext>
-              <a:ext uri="{96DAC541-7B7A-43D3-8B79-37D633B846F1}">
-                <asvg:svgBlip xmlns:asvg="http://schemas.microsoft.com/office/drawing/2016/SVG/main" r:embed="rId5"/>
-              </a:ext>
-            </a:extLst>
-          </a:blip>
-          <a:stretch>
-            <a:fillRect/>
-          </a:stretch>
-        </p:blipFill>
+        </p:nvCxnSpPr>
         <p:spPr>
           <a:xfrm>
-            <a:off x="9282002" y="1836057"/>
-            <a:ext cx="914400" cy="914400"/>
+            <a:off x="7270812" y="2343703"/>
+            <a:ext cx="4030462" cy="914400"/>
           </a:xfrm>
-          <a:prstGeom prst="rect">
+          <a:prstGeom prst="straightConnector1">
             <a:avLst/>
           </a:prstGeom>
+          <a:ln w="76200">
+            <a:tailEnd type="triangle"/>
+          </a:ln>
         </p:spPr>
-      </p:pic>
-      <p:pic>
-        <p:nvPicPr>
-          <p:cNvPr id="20" name="Graphic 19" descr="Upward trend">
-            <a:extLst>
-              <a:ext uri="{FF2B5EF4-FFF2-40B4-BE49-F238E27FC236}">
-                <a16:creationId xmlns:a16="http://schemas.microsoft.com/office/drawing/2014/main" id="{C515900E-C7C1-4BC5-9E54-5F78DE81D69B}"/>
-              </a:ext>
-            </a:extLst>
-          </p:cNvPr>
-          <p:cNvPicPr>
-            <a:picLocks noChangeAspect="1"/>
-          </p:cNvPicPr>
-          <p:nvPr/>
-        </p:nvPicPr>
-        <p:blipFill>
-          <a:blip r:embed="rId6">
-            <a:extLst>
-              <a:ext uri="{28A0092B-C50C-407E-A947-70E740481C1C}">
-                <a14:useLocalDpi xmlns:a14="http://schemas.microsoft.com/office/drawing/2010/main" val="0"/>
-              </a:ext>
-              <a:ext uri="{96DAC541-7B7A-43D3-8B79-37D633B846F1}">
-                <asvg:svgBlip xmlns:asvg="http://schemas.microsoft.com/office/drawing/2016/SVG/main" r:embed="rId7"/>
-              </a:ext>
-            </a:extLst>
-          </a:blip>
-          <a:stretch>
-            <a:fillRect/>
-          </a:stretch>
-        </p:blipFill>
-        <p:spPr>
-          <a:xfrm>
-            <a:off x="9282002" y="3166534"/>
-            <a:ext cx="914400" cy="914400"/>
-          </a:xfrm>
-          <a:prstGeom prst="rect">
-            <a:avLst/>
-          </a:prstGeom>
-        </p:spPr>
-      </p:pic>
+        <p:style>
+          <a:lnRef idx="3">
+            <a:schemeClr val="accent1"/>
+          </a:lnRef>
+          <a:fillRef idx="0">
+            <a:schemeClr val="accent1"/>
+          </a:fillRef>
+          <a:effectRef idx="2">
+            <a:schemeClr val="accent1"/>
+          </a:effectRef>
+          <a:fontRef idx="minor">
+            <a:schemeClr val="tx1"/>
+          </a:fontRef>
+        </p:style>
+      </p:cxnSp>
     </p:spTree>
     <p:extLst>
       <p:ext uri="{BB962C8B-B14F-4D97-AF65-F5344CB8AC3E}">
@@ -9677,13 +11102,13 @@
         </p:nvSpPr>
         <p:spPr>
           <a:xfrm>
-            <a:off x="4654295" y="816638"/>
+            <a:off x="4654295" y="1118482"/>
             <a:ext cx="4619706" cy="5224724"/>
           </a:xfrm>
         </p:spPr>
         <p:txBody>
           <a:bodyPr anchor="ctr">
-            <a:normAutofit/>
+            <a:normAutofit lnSpcReduction="10000"/>
           </a:bodyPr>
           <a:lstStyle/>
           <a:p>
@@ -9740,7 +11165,11 @@
             </a:pPr>
             <a:r>
               <a:rPr lang="en-US" dirty="0"/>
-              <a:t>1) Unpredictable</a:t>
+              <a:t>1) </a:t>
+            </a:r>
+            <a:r>
+              <a:rPr lang="en-US" u="sng" dirty="0"/>
+              <a:t>Unpredictable</a:t>
             </a:r>
           </a:p>
           <a:p>
@@ -9768,17 +11197,42 @@
             <a:endParaRPr lang="en-US" dirty="0"/>
           </a:p>
           <a:p>
-            <a:pPr indent="-285750">
+            <a:pPr marL="57150" indent="0">
+              <a:buNone/>
+            </a:pPr>
+            <a:r>
+              <a:rPr lang="en-US" b="1" dirty="0"/>
+              <a:t>ZIP RANK INDEX =</a:t>
+            </a:r>
+          </a:p>
+          <a:p>
+            <a:pPr lvl="1">
               <a:buFont typeface="Wingdings" panose="05000000000000000000" pitchFamily="2" charset="2"/>
               <a:buChar char="Ø"/>
             </a:pPr>
             <a:r>
-              <a:rPr lang="en-US" dirty="0"/>
-              <a:t>These three features weighted equally to create a </a:t>
-            </a:r>
-            <a:r>
               <a:rPr lang="en-US" b="1" dirty="0"/>
-              <a:t>ZIP RANK INDEX</a:t>
+              <a:t>Predictability Rank + </a:t>
+            </a:r>
+          </a:p>
+          <a:p>
+            <a:pPr lvl="1">
+              <a:buFont typeface="Wingdings" panose="05000000000000000000" pitchFamily="2" charset="2"/>
+              <a:buChar char="Ø"/>
+            </a:pPr>
+            <a:r>
+              <a:rPr lang="en-US" b="1" dirty="0"/>
+              <a:t>ROI Forecast Rank +</a:t>
+            </a:r>
+          </a:p>
+          <a:p>
+            <a:pPr lvl="1">
+              <a:buFont typeface="Wingdings" panose="05000000000000000000" pitchFamily="2" charset="2"/>
+              <a:buChar char="Ø"/>
+            </a:pPr>
+            <a:r>
+              <a:rPr lang="en-US" b="1" dirty="0"/>
+              <a:t>ROI Forecast Uncertainty Rank</a:t>
             </a:r>
           </a:p>
           <a:p>
@@ -10097,7 +11551,7 @@
         <p:spPr>
           <a:xfrm>
             <a:off x="477308" y="647700"/>
-            <a:ext cx="8857191" cy="1175784"/>
+            <a:ext cx="9181597" cy="1175784"/>
           </a:xfrm>
         </p:spPr>
         <p:txBody>
@@ -10108,7 +11562,7 @@
           <a:p>
             <a:r>
               <a:rPr lang="en-US" sz="4000" dirty="0"/>
-              <a:t>Example: ‘Not-So-Good’ Zip Code - 76132</a:t>
+              <a:t>Example: ‘Unpredictable’ Zip Code - 76132</a:t>
             </a:r>
             <a:br>
               <a:rPr lang="en-US" dirty="0"/>
@@ -12391,6 +13845,655 @@
           <p:cNvPr id="2" name="Title 1">
             <a:extLst>
               <a:ext uri="{FF2B5EF4-FFF2-40B4-BE49-F238E27FC236}">
+                <a16:creationId xmlns:a16="http://schemas.microsoft.com/office/drawing/2014/main" id="{D6F8DBB3-353E-404D-9F57-6A0C46ED0105}"/>
+              </a:ext>
+            </a:extLst>
+          </p:cNvPr>
+          <p:cNvSpPr>
+            <a:spLocks noGrp="1"/>
+          </p:cNvSpPr>
+          <p:nvPr>
+            <p:ph type="title"/>
+          </p:nvPr>
+        </p:nvSpPr>
+        <p:spPr/>
+        <p:txBody>
+          <a:bodyPr/>
+          <a:lstStyle/>
+          <a:p>
+            <a:r>
+              <a:rPr lang="en-US" dirty="0"/>
+              <a:t>‘Best’ Zip Codes - Overall</a:t>
+            </a:r>
+          </a:p>
+        </p:txBody>
+      </p:sp>
+      <p:graphicFrame>
+        <p:nvGraphicFramePr>
+          <p:cNvPr id="4" name="Table 4">
+            <a:extLst>
+              <a:ext uri="{FF2B5EF4-FFF2-40B4-BE49-F238E27FC236}">
+                <a16:creationId xmlns:a16="http://schemas.microsoft.com/office/drawing/2014/main" id="{AE452BF0-18FB-4279-B070-0C0173F577DB}"/>
+              </a:ext>
+            </a:extLst>
+          </p:cNvPr>
+          <p:cNvGraphicFramePr>
+            <a:graphicFrameLocks noGrp="1"/>
+          </p:cNvGraphicFramePr>
+          <p:nvPr>
+            <p:ph idx="1"/>
+            <p:extLst>
+              <p:ext uri="{D42A27DB-BD31-4B8C-83A1-F6EECF244321}">
+                <p14:modId xmlns:p14="http://schemas.microsoft.com/office/powerpoint/2010/main" val="1781967454"/>
+              </p:ext>
+            </p:extLst>
+          </p:nvPr>
+        </p:nvGraphicFramePr>
+        <p:xfrm>
+          <a:off x="1254910" y="2164081"/>
+          <a:ext cx="7667148" cy="2763520"/>
+        </p:xfrm>
+        <a:graphic>
+          <a:graphicData uri="http://schemas.openxmlformats.org/drawingml/2006/table">
+            <a:tbl>
+              <a:tblPr firstRow="1" bandRow="1">
+                <a:tableStyleId>{5C22544A-7EE6-4342-B048-85BDC9FD1C3A}</a:tableStyleId>
+              </a:tblPr>
+              <a:tblGrid>
+                <a:gridCol w="1150938">
+                  <a:extLst>
+                    <a:ext uri="{9D8B030D-6E8A-4147-A177-3AD203B41FA5}">
+                      <a16:colId xmlns:a16="http://schemas.microsoft.com/office/drawing/2014/main" val="61832935"/>
+                    </a:ext>
+                  </a:extLst>
+                </a:gridCol>
+                <a:gridCol w="1127464">
+                  <a:extLst>
+                    <a:ext uri="{9D8B030D-6E8A-4147-A177-3AD203B41FA5}">
+                      <a16:colId xmlns:a16="http://schemas.microsoft.com/office/drawing/2014/main" val="1930076643"/>
+                    </a:ext>
+                  </a:extLst>
+                </a:gridCol>
+                <a:gridCol w="1429305">
+                  <a:extLst>
+                    <a:ext uri="{9D8B030D-6E8A-4147-A177-3AD203B41FA5}">
+                      <a16:colId xmlns:a16="http://schemas.microsoft.com/office/drawing/2014/main" val="293567324"/>
+                    </a:ext>
+                  </a:extLst>
+                </a:gridCol>
+                <a:gridCol w="1766656">
+                  <a:extLst>
+                    <a:ext uri="{9D8B030D-6E8A-4147-A177-3AD203B41FA5}">
+                      <a16:colId xmlns:a16="http://schemas.microsoft.com/office/drawing/2014/main" val="944387565"/>
+                    </a:ext>
+                  </a:extLst>
+                </a:gridCol>
+                <a:gridCol w="2192785">
+                  <a:extLst>
+                    <a:ext uri="{9D8B030D-6E8A-4147-A177-3AD203B41FA5}">
+                      <a16:colId xmlns:a16="http://schemas.microsoft.com/office/drawing/2014/main" val="2271240593"/>
+                    </a:ext>
+                  </a:extLst>
+                </a:gridCol>
+              </a:tblGrid>
+              <a:tr h="370840">
+                <a:tc>
+                  <a:txBody>
+                    <a:bodyPr/>
+                    <a:lstStyle/>
+                    <a:p>
+                      <a:r>
+                        <a:rPr lang="en-US" dirty="0"/>
+                        <a:t>Zip Code</a:t>
+                      </a:r>
+                    </a:p>
+                  </a:txBody>
+                  <a:tcPr/>
+                </a:tc>
+                <a:tc>
+                  <a:txBody>
+                    <a:bodyPr/>
+                    <a:lstStyle/>
+                    <a:p>
+                      <a:r>
+                        <a:rPr lang="en-US" dirty="0"/>
+                        <a:t>Zip Rank Index</a:t>
+                      </a:r>
+                    </a:p>
+                  </a:txBody>
+                  <a:tcPr/>
+                </a:tc>
+                <a:tc>
+                  <a:txBody>
+                    <a:bodyPr/>
+                    <a:lstStyle/>
+                    <a:p>
+                      <a:r>
+                        <a:rPr lang="en-US" dirty="0"/>
+                        <a:t>Forecasted ROI (%)</a:t>
+                      </a:r>
+                    </a:p>
+                  </a:txBody>
+                  <a:tcPr/>
+                </a:tc>
+                <a:tc>
+                  <a:txBody>
+                    <a:bodyPr/>
+                    <a:lstStyle/>
+                    <a:p>
+                      <a:r>
+                        <a:rPr lang="en-US" dirty="0"/>
+                        <a:t>Average Investment Cost per Home</a:t>
+                      </a:r>
+                    </a:p>
+                  </a:txBody>
+                  <a:tcPr/>
+                </a:tc>
+                <a:tc>
+                  <a:txBody>
+                    <a:bodyPr/>
+                    <a:lstStyle/>
+                    <a:p>
+                      <a:r>
+                        <a:rPr lang="en-US" dirty="0"/>
+                        <a:t>Average Projected Home Value </a:t>
+                      </a:r>
+                    </a:p>
+                    <a:p>
+                      <a:r>
+                        <a:rPr lang="en-US" dirty="0"/>
+                        <a:t>(3-Year Forecast)</a:t>
+                      </a:r>
+                    </a:p>
+                  </a:txBody>
+                  <a:tcPr/>
+                </a:tc>
+                <a:extLst>
+                  <a:ext uri="{0D108BD9-81ED-4DB2-BD59-A6C34878D82A}">
+                    <a16:rowId xmlns:a16="http://schemas.microsoft.com/office/drawing/2014/main" val="1481981044"/>
+                  </a:ext>
+                </a:extLst>
+              </a:tr>
+              <a:tr h="370840">
+                <a:tc>
+                  <a:txBody>
+                    <a:bodyPr/>
+                    <a:lstStyle/>
+                    <a:p>
+                      <a:pPr algn="r"/>
+                      <a:r>
+                        <a:rPr lang="en-US" sz="1800" b="0" i="0" kern="1200" dirty="0">
+                          <a:solidFill>
+                            <a:schemeClr val="dk1"/>
+                          </a:solidFill>
+                          <a:effectLst/>
+                          <a:latin typeface="+mn-lt"/>
+                          <a:ea typeface="+mn-ea"/>
+                          <a:cs typeface="+mn-cs"/>
+                        </a:rPr>
+                        <a:t>76126</a:t>
+                      </a:r>
+                      <a:endParaRPr lang="en-US" dirty="0"/>
+                    </a:p>
+                  </a:txBody>
+                  <a:tcPr/>
+                </a:tc>
+                <a:tc>
+                  <a:txBody>
+                    <a:bodyPr/>
+                    <a:lstStyle/>
+                    <a:p>
+                      <a:pPr algn="r"/>
+                      <a:r>
+                        <a:rPr lang="en-US" sz="1800" b="0" i="0" kern="1200" dirty="0">
+                          <a:solidFill>
+                            <a:schemeClr val="dk1"/>
+                          </a:solidFill>
+                          <a:effectLst/>
+                          <a:latin typeface="+mn-lt"/>
+                          <a:ea typeface="+mn-ea"/>
+                          <a:cs typeface="+mn-cs"/>
+                        </a:rPr>
+                        <a:t>20.5</a:t>
+                      </a:r>
+                      <a:endParaRPr lang="en-US" dirty="0"/>
+                    </a:p>
+                  </a:txBody>
+                  <a:tcPr/>
+                </a:tc>
+                <a:tc>
+                  <a:txBody>
+                    <a:bodyPr/>
+                    <a:lstStyle/>
+                    <a:p>
+                      <a:pPr algn="r"/>
+                      <a:r>
+                        <a:rPr lang="en-US" dirty="0"/>
+                        <a:t>41.1</a:t>
+                      </a:r>
+                    </a:p>
+                  </a:txBody>
+                  <a:tcPr/>
+                </a:tc>
+                <a:tc>
+                  <a:txBody>
+                    <a:bodyPr/>
+                    <a:lstStyle/>
+                    <a:p>
+                      <a:pPr algn="r"/>
+                      <a:r>
+                        <a:rPr lang="en-US" dirty="0"/>
+                        <a:t>$ 208,100</a:t>
+                      </a:r>
+                    </a:p>
+                  </a:txBody>
+                  <a:tcPr/>
+                </a:tc>
+                <a:tc>
+                  <a:txBody>
+                    <a:bodyPr/>
+                    <a:lstStyle/>
+                    <a:p>
+                      <a:pPr algn="r"/>
+                      <a:r>
+                        <a:rPr lang="en-US" dirty="0"/>
+                        <a:t>$ 293,550</a:t>
+                      </a:r>
+                    </a:p>
+                  </a:txBody>
+                  <a:tcPr/>
+                </a:tc>
+                <a:extLst>
+                  <a:ext uri="{0D108BD9-81ED-4DB2-BD59-A6C34878D82A}">
+                    <a16:rowId xmlns:a16="http://schemas.microsoft.com/office/drawing/2014/main" val="4224581583"/>
+                  </a:ext>
+                </a:extLst>
+              </a:tr>
+              <a:tr h="370840">
+                <a:tc>
+                  <a:txBody>
+                    <a:bodyPr/>
+                    <a:lstStyle/>
+                    <a:p>
+                      <a:pPr algn="r" fontAlgn="ctr"/>
+                      <a:r>
+                        <a:rPr lang="en-US" dirty="0">
+                          <a:effectLst/>
+                        </a:rPr>
+                        <a:t>76133</a:t>
+                      </a:r>
+                    </a:p>
+                  </a:txBody>
+                  <a:tcPr anchor="ctr"/>
+                </a:tc>
+                <a:tc>
+                  <a:txBody>
+                    <a:bodyPr/>
+                    <a:lstStyle/>
+                    <a:p>
+                      <a:pPr algn="r"/>
+                      <a:r>
+                        <a:rPr lang="en-US" sz="1800" b="0" i="0" kern="1200" dirty="0">
+                          <a:solidFill>
+                            <a:schemeClr val="dk1"/>
+                          </a:solidFill>
+                          <a:effectLst/>
+                          <a:latin typeface="+mn-lt"/>
+                          <a:ea typeface="+mn-ea"/>
+                          <a:cs typeface="+mn-cs"/>
+                        </a:rPr>
+                        <a:t>22</a:t>
+                      </a:r>
+                      <a:endParaRPr lang="en-US" dirty="0"/>
+                    </a:p>
+                  </a:txBody>
+                  <a:tcPr/>
+                </a:tc>
+                <a:tc>
+                  <a:txBody>
+                    <a:bodyPr/>
+                    <a:lstStyle/>
+                    <a:p>
+                      <a:pPr algn="r"/>
+                      <a:r>
+                        <a:rPr lang="en-US" dirty="0"/>
+                        <a:t>38.9</a:t>
+                      </a:r>
+                    </a:p>
+                  </a:txBody>
+                  <a:tcPr/>
+                </a:tc>
+                <a:tc>
+                  <a:txBody>
+                    <a:bodyPr/>
+                    <a:lstStyle/>
+                    <a:p>
+                      <a:pPr algn="r"/>
+                      <a:r>
+                        <a:rPr lang="en-US" dirty="0"/>
+                        <a:t>$ 164,900</a:t>
+                      </a:r>
+                    </a:p>
+                  </a:txBody>
+                  <a:tcPr/>
+                </a:tc>
+                <a:tc>
+                  <a:txBody>
+                    <a:bodyPr/>
+                    <a:lstStyle/>
+                    <a:p>
+                      <a:pPr algn="r"/>
+                      <a:r>
+                        <a:rPr lang="en-US" dirty="0"/>
+                        <a:t>$ 229,070</a:t>
+                      </a:r>
+                    </a:p>
+                  </a:txBody>
+                  <a:tcPr/>
+                </a:tc>
+                <a:extLst>
+                  <a:ext uri="{0D108BD9-81ED-4DB2-BD59-A6C34878D82A}">
+                    <a16:rowId xmlns:a16="http://schemas.microsoft.com/office/drawing/2014/main" val="2456253464"/>
+                  </a:ext>
+                </a:extLst>
+              </a:tr>
+              <a:tr h="370840">
+                <a:tc>
+                  <a:txBody>
+                    <a:bodyPr/>
+                    <a:lstStyle/>
+                    <a:p>
+                      <a:pPr algn="r"/>
+                      <a:r>
+                        <a:rPr lang="en-US" dirty="0"/>
+                        <a:t>76014</a:t>
+                      </a:r>
+                    </a:p>
+                  </a:txBody>
+                  <a:tcPr/>
+                </a:tc>
+                <a:tc>
+                  <a:txBody>
+                    <a:bodyPr/>
+                    <a:lstStyle/>
+                    <a:p>
+                      <a:pPr algn="r"/>
+                      <a:r>
+                        <a:rPr lang="en-US" dirty="0"/>
+                        <a:t>27.5</a:t>
+                      </a:r>
+                    </a:p>
+                  </a:txBody>
+                  <a:tcPr/>
+                </a:tc>
+                <a:tc>
+                  <a:txBody>
+                    <a:bodyPr/>
+                    <a:lstStyle/>
+                    <a:p>
+                      <a:pPr algn="r"/>
+                      <a:r>
+                        <a:rPr lang="en-US" dirty="0"/>
+                        <a:t>32.4</a:t>
+                      </a:r>
+                    </a:p>
+                  </a:txBody>
+                  <a:tcPr/>
+                </a:tc>
+                <a:tc>
+                  <a:txBody>
+                    <a:bodyPr/>
+                    <a:lstStyle/>
+                    <a:p>
+                      <a:pPr algn="r"/>
+                      <a:r>
+                        <a:rPr lang="en-US" dirty="0"/>
+                        <a:t>$ 153,500</a:t>
+                      </a:r>
+                    </a:p>
+                  </a:txBody>
+                  <a:tcPr/>
+                </a:tc>
+                <a:tc>
+                  <a:txBody>
+                    <a:bodyPr/>
+                    <a:lstStyle/>
+                    <a:p>
+                      <a:pPr algn="r"/>
+                      <a:r>
+                        <a:rPr lang="en-US" dirty="0"/>
+                        <a:t>$ 203,210</a:t>
+                      </a:r>
+                    </a:p>
+                  </a:txBody>
+                  <a:tcPr/>
+                </a:tc>
+                <a:extLst>
+                  <a:ext uri="{0D108BD9-81ED-4DB2-BD59-A6C34878D82A}">
+                    <a16:rowId xmlns:a16="http://schemas.microsoft.com/office/drawing/2014/main" val="929214"/>
+                  </a:ext>
+                </a:extLst>
+              </a:tr>
+              <a:tr h="341691">
+                <a:tc>
+                  <a:txBody>
+                    <a:bodyPr/>
+                    <a:lstStyle/>
+                    <a:p>
+                      <a:pPr algn="r"/>
+                      <a:r>
+                        <a:rPr lang="en-US" sz="1800" b="0" i="0" kern="1200" dirty="0">
+                          <a:solidFill>
+                            <a:schemeClr val="dk1"/>
+                          </a:solidFill>
+                          <a:effectLst/>
+                          <a:latin typeface="+mn-lt"/>
+                          <a:ea typeface="+mn-ea"/>
+                          <a:cs typeface="+mn-cs"/>
+                        </a:rPr>
+                        <a:t>76001</a:t>
+                      </a:r>
+                      <a:endParaRPr lang="en-US" dirty="0"/>
+                    </a:p>
+                  </a:txBody>
+                  <a:tcPr/>
+                </a:tc>
+                <a:tc>
+                  <a:txBody>
+                    <a:bodyPr/>
+                    <a:lstStyle/>
+                    <a:p>
+                      <a:pPr algn="r"/>
+                      <a:r>
+                        <a:rPr lang="en-US" dirty="0"/>
+                        <a:t>37</a:t>
+                      </a:r>
+                    </a:p>
+                  </a:txBody>
+                  <a:tcPr/>
+                </a:tc>
+                <a:tc>
+                  <a:txBody>
+                    <a:bodyPr/>
+                    <a:lstStyle/>
+                    <a:p>
+                      <a:pPr algn="r"/>
+                      <a:r>
+                        <a:rPr lang="en-US" dirty="0"/>
+                        <a:t>22.2</a:t>
+                      </a:r>
+                    </a:p>
+                  </a:txBody>
+                  <a:tcPr/>
+                </a:tc>
+                <a:tc>
+                  <a:txBody>
+                    <a:bodyPr/>
+                    <a:lstStyle/>
+                    <a:p>
+                      <a:pPr algn="r"/>
+                      <a:r>
+                        <a:rPr lang="en-US" dirty="0"/>
+                        <a:t>$ 217,200</a:t>
+                      </a:r>
+                    </a:p>
+                  </a:txBody>
+                  <a:tcPr/>
+                </a:tc>
+                <a:tc>
+                  <a:txBody>
+                    <a:bodyPr/>
+                    <a:lstStyle/>
+                    <a:p>
+                      <a:pPr algn="r"/>
+                      <a:r>
+                        <a:rPr lang="en-US" dirty="0"/>
+                        <a:t>$ 265,390</a:t>
+                      </a:r>
+                    </a:p>
+                  </a:txBody>
+                  <a:tcPr/>
+                </a:tc>
+                <a:extLst>
+                  <a:ext uri="{0D108BD9-81ED-4DB2-BD59-A6C34878D82A}">
+                    <a16:rowId xmlns:a16="http://schemas.microsoft.com/office/drawing/2014/main" val="3251756527"/>
+                  </a:ext>
+                </a:extLst>
+              </a:tr>
+              <a:tr h="370840">
+                <a:tc>
+                  <a:txBody>
+                    <a:bodyPr/>
+                    <a:lstStyle/>
+                    <a:p>
+                      <a:pPr algn="r"/>
+                      <a:r>
+                        <a:rPr lang="en-US" sz="1800" b="0" i="0" kern="1200" dirty="0">
+                          <a:solidFill>
+                            <a:schemeClr val="dk1"/>
+                          </a:solidFill>
+                          <a:effectLst/>
+                          <a:latin typeface="+mn-lt"/>
+                          <a:ea typeface="+mn-ea"/>
+                          <a:cs typeface="+mn-cs"/>
+                        </a:rPr>
+                        <a:t>76148</a:t>
+                      </a:r>
+                      <a:endParaRPr lang="en-US" dirty="0"/>
+                    </a:p>
+                  </a:txBody>
+                  <a:tcPr/>
+                </a:tc>
+                <a:tc>
+                  <a:txBody>
+                    <a:bodyPr/>
+                    <a:lstStyle/>
+                    <a:p>
+                      <a:pPr algn="r"/>
+                      <a:r>
+                        <a:rPr lang="en-US" sz="1800" b="0" i="0" kern="1200" dirty="0">
+                          <a:solidFill>
+                            <a:schemeClr val="dk1"/>
+                          </a:solidFill>
+                          <a:effectLst/>
+                          <a:latin typeface="+mn-lt"/>
+                          <a:ea typeface="+mn-ea"/>
+                          <a:cs typeface="+mn-cs"/>
+                        </a:rPr>
+                        <a:t>41.5</a:t>
+                      </a:r>
+                      <a:endParaRPr lang="en-US" dirty="0"/>
+                    </a:p>
+                  </a:txBody>
+                  <a:tcPr/>
+                </a:tc>
+                <a:tc>
+                  <a:txBody>
+                    <a:bodyPr/>
+                    <a:lstStyle/>
+                    <a:p>
+                      <a:pPr algn="r"/>
+                      <a:r>
+                        <a:rPr lang="en-US" dirty="0"/>
+                        <a:t>50.7</a:t>
+                      </a:r>
+                    </a:p>
+                  </a:txBody>
+                  <a:tcPr/>
+                </a:tc>
+                <a:tc>
+                  <a:txBody>
+                    <a:bodyPr/>
+                    <a:lstStyle/>
+                    <a:p>
+                      <a:pPr algn="r"/>
+                      <a:r>
+                        <a:rPr lang="en-US" dirty="0"/>
+                        <a:t>$ 164,400</a:t>
+                      </a:r>
+                    </a:p>
+                  </a:txBody>
+                  <a:tcPr/>
+                </a:tc>
+                <a:tc>
+                  <a:txBody>
+                    <a:bodyPr/>
+                    <a:lstStyle/>
+                    <a:p>
+                      <a:pPr algn="r"/>
+                      <a:r>
+                        <a:rPr lang="en-US" dirty="0"/>
+                        <a:t>$ 247,690</a:t>
+                      </a:r>
+                    </a:p>
+                  </a:txBody>
+                  <a:tcPr/>
+                </a:tc>
+                <a:extLst>
+                  <a:ext uri="{0D108BD9-81ED-4DB2-BD59-A6C34878D82A}">
+                    <a16:rowId xmlns:a16="http://schemas.microsoft.com/office/drawing/2014/main" val="1538851721"/>
+                  </a:ext>
+                </a:extLst>
+              </a:tr>
+            </a:tbl>
+          </a:graphicData>
+        </a:graphic>
+      </p:graphicFrame>
+    </p:spTree>
+    <p:extLst>
+      <p:ext uri="{BB962C8B-B14F-4D97-AF65-F5344CB8AC3E}">
+        <p14:creationId xmlns:p14="http://schemas.microsoft.com/office/powerpoint/2010/main" val="2878866992"/>
+      </p:ext>
+    </p:extLst>
+  </p:cSld>
+  <p:clrMapOvr>
+    <a:masterClrMapping/>
+  </p:clrMapOvr>
+</p:sld>
+</file>
+
+<file path=ppt/slides/slide9.xml><?xml version="1.0" encoding="utf-8"?>
+<p:sld xmlns:a="http://schemas.openxmlformats.org/drawingml/2006/main" xmlns:r="http://schemas.openxmlformats.org/officeDocument/2006/relationships" xmlns:p="http://schemas.openxmlformats.org/presentationml/2006/main">
+  <p:cSld>
+    <p:spTree>
+      <p:nvGrpSpPr>
+        <p:cNvPr id="1" name=""/>
+        <p:cNvGrpSpPr/>
+        <p:nvPr/>
+      </p:nvGrpSpPr>
+      <p:grpSpPr>
+        <a:xfrm>
+          <a:off x="0" y="0"/>
+          <a:ext cx="0" cy="0"/>
+          <a:chOff x="0" y="0"/>
+          <a:chExt cx="0" cy="0"/>
+        </a:xfrm>
+      </p:grpSpPr>
+      <p:sp>
+        <p:nvSpPr>
+          <p:cNvPr id="2" name="Title 1">
+            <a:extLst>
+              <a:ext uri="{FF2B5EF4-FFF2-40B4-BE49-F238E27FC236}">
                 <a16:creationId xmlns:a16="http://schemas.microsoft.com/office/drawing/2014/main" id="{4C396A8B-20FC-4172-807D-B8EF500DFE8F}"/>
               </a:ext>
             </a:extLst>
@@ -12585,154 +14688,6 @@
     <p:extLst>
       <p:ext uri="{BB962C8B-B14F-4D97-AF65-F5344CB8AC3E}">
         <p14:creationId xmlns:p14="http://schemas.microsoft.com/office/powerpoint/2010/main" val="332567720"/>
-      </p:ext>
-    </p:extLst>
-  </p:cSld>
-  <p:clrMapOvr>
-    <a:masterClrMapping/>
-  </p:clrMapOvr>
-</p:sld>
-</file>
-
-<file path=ppt/slides/slide9.xml><?xml version="1.0" encoding="utf-8"?>
-<p:sld xmlns:a="http://schemas.openxmlformats.org/drawingml/2006/main" xmlns:r="http://schemas.openxmlformats.org/officeDocument/2006/relationships" xmlns:p="http://schemas.openxmlformats.org/presentationml/2006/main">
-  <p:cSld>
-    <p:spTree>
-      <p:nvGrpSpPr>
-        <p:cNvPr id="1" name=""/>
-        <p:cNvGrpSpPr/>
-        <p:nvPr/>
-      </p:nvGrpSpPr>
-      <p:grpSpPr>
-        <a:xfrm>
-          <a:off x="0" y="0"/>
-          <a:ext cx="0" cy="0"/>
-          <a:chOff x="0" y="0"/>
-          <a:chExt cx="0" cy="0"/>
-        </a:xfrm>
-      </p:grpSpPr>
-      <p:sp>
-        <p:nvSpPr>
-          <p:cNvPr id="2" name="Title 1">
-            <a:extLst>
-              <a:ext uri="{FF2B5EF4-FFF2-40B4-BE49-F238E27FC236}">
-                <a16:creationId xmlns:a16="http://schemas.microsoft.com/office/drawing/2014/main" id="{2E7BA5B6-10BF-4942-B279-389B40BD7E02}"/>
-              </a:ext>
-            </a:extLst>
-          </p:cNvPr>
-          <p:cNvSpPr>
-            <a:spLocks noGrp="1"/>
-          </p:cNvSpPr>
-          <p:nvPr>
-            <p:ph type="title"/>
-          </p:nvPr>
-        </p:nvSpPr>
-        <p:spPr/>
-        <p:txBody>
-          <a:bodyPr/>
-          <a:lstStyle/>
-          <a:p>
-            <a:r>
-              <a:rPr lang="en-US" dirty="0"/>
-              <a:t>Future Work</a:t>
-            </a:r>
-          </a:p>
-        </p:txBody>
-      </p:sp>
-      <p:sp>
-        <p:nvSpPr>
-          <p:cNvPr id="3" name="Content Placeholder 2">
-            <a:extLst>
-              <a:ext uri="{FF2B5EF4-FFF2-40B4-BE49-F238E27FC236}">
-                <a16:creationId xmlns:a16="http://schemas.microsoft.com/office/drawing/2014/main" id="{90B9A5C3-6D25-417A-8F70-3DFA774281BC}"/>
-              </a:ext>
-            </a:extLst>
-          </p:cNvPr>
-          <p:cNvSpPr>
-            <a:spLocks noGrp="1"/>
-          </p:cNvSpPr>
-          <p:nvPr>
-            <p:ph idx="1"/>
-          </p:nvPr>
-        </p:nvSpPr>
-        <p:spPr/>
-        <p:txBody>
-          <a:bodyPr/>
-          <a:lstStyle/>
-          <a:p>
-            <a:r>
-              <a:rPr lang="en-US" dirty="0"/>
-              <a:t>Use additional data to try to improve time series predictions</a:t>
-            </a:r>
-          </a:p>
-          <a:p>
-            <a:pPr lvl="1"/>
-            <a:r>
-              <a:rPr lang="en-US" dirty="0"/>
-              <a:t>Population growth / decline</a:t>
-            </a:r>
-          </a:p>
-          <a:p>
-            <a:pPr lvl="1"/>
-            <a:r>
-              <a:rPr lang="en-US" dirty="0"/>
-              <a:t>Per capita income changes</a:t>
-            </a:r>
-          </a:p>
-          <a:p>
-            <a:pPr lvl="1"/>
-            <a:r>
-              <a:rPr lang="en-US" dirty="0"/>
-              <a:t>Economic growth / decline</a:t>
-            </a:r>
-          </a:p>
-          <a:p>
-            <a:pPr lvl="1"/>
-            <a:r>
-              <a:rPr lang="en-US" dirty="0"/>
-              <a:t>Demographics</a:t>
-            </a:r>
-          </a:p>
-          <a:p>
-            <a:pPr marL="457200" lvl="1" indent="0">
-              <a:buNone/>
-            </a:pPr>
-            <a:endParaRPr lang="en-US" dirty="0"/>
-          </a:p>
-          <a:p>
-            <a:pPr indent="-285750"/>
-            <a:r>
-              <a:rPr lang="en-US" dirty="0"/>
-              <a:t>Assess 3-year forecasts made in this study when all data are available</a:t>
-            </a:r>
-          </a:p>
-          <a:p>
-            <a:pPr lvl="1"/>
-            <a:r>
-              <a:rPr lang="en-US" dirty="0"/>
-              <a:t>… how well did these forecasts hold up ?</a:t>
-            </a:r>
-          </a:p>
-          <a:p>
-            <a:pPr marL="57150" indent="0">
-              <a:buNone/>
-            </a:pPr>
-            <a:endParaRPr lang="en-US" dirty="0"/>
-          </a:p>
-          <a:p>
-            <a:pPr lvl="1"/>
-            <a:endParaRPr lang="en-US" dirty="0"/>
-          </a:p>
-          <a:p>
-            <a:pPr lvl="1"/>
-            <a:endParaRPr lang="en-US" dirty="0"/>
-          </a:p>
-        </p:txBody>
-      </p:sp>
-    </p:spTree>
-    <p:extLst>
-      <p:ext uri="{BB962C8B-B14F-4D97-AF65-F5344CB8AC3E}">
-        <p14:creationId xmlns:p14="http://schemas.microsoft.com/office/powerpoint/2010/main" val="1892344816"/>
       </p:ext>
     </p:extLst>
   </p:cSld>
